--- a/MLB Salaries Presentation.pptx
+++ b/MLB Salaries Presentation.pptx
@@ -581,7 +581,7 @@
       </p:grpSpPr>
       <p:sp>
         <p:nvSpPr>
-          <p:cNvPr id="259" name="Shape 259"/>
+          <p:cNvPr id="258" name="Shape 258"/>
           <p:cNvSpPr/>
           <p:nvPr>
             <p:ph type="sldImg"/>
@@ -602,7 +602,7 @@
       </p:sp>
       <p:sp>
         <p:nvSpPr>
-          <p:cNvPr id="260" name="Shape 260"/>
+          <p:cNvPr id="259" name="Shape 259"/>
           <p:cNvSpPr/>
           <p:nvPr>
             <p:ph type="body" sz="quarter" idx="1"/>
@@ -803,7 +803,7 @@
       </p:grpSpPr>
       <p:sp>
         <p:nvSpPr>
-          <p:cNvPr id="152" name="Shape 152"/>
+          <p:cNvPr id="151" name="Shape 151"/>
           <p:cNvSpPr/>
           <p:nvPr>
             <p:ph type="sldImg"/>
@@ -824,7 +824,7 @@
       </p:sp>
       <p:sp>
         <p:nvSpPr>
-          <p:cNvPr id="153" name="Shape 153"/>
+          <p:cNvPr id="152" name="Shape 152"/>
           <p:cNvSpPr/>
           <p:nvPr>
             <p:ph type="body" sz="quarter" idx="1"/>
@@ -877,7 +877,7 @@
       </p:grpSpPr>
       <p:sp>
         <p:nvSpPr>
-          <p:cNvPr id="226" name="Shape 226"/>
+          <p:cNvPr id="225" name="Shape 225"/>
           <p:cNvSpPr/>
           <p:nvPr>
             <p:ph type="sldImg"/>
@@ -898,7 +898,7 @@
       </p:sp>
       <p:sp>
         <p:nvSpPr>
-          <p:cNvPr id="227" name="Shape 227"/>
+          <p:cNvPr id="226" name="Shape 226"/>
           <p:cNvSpPr/>
           <p:nvPr>
             <p:ph type="body" sz="quarter" idx="1"/>
@@ -965,7 +965,7 @@
       </p:grpSpPr>
       <p:sp>
         <p:nvSpPr>
-          <p:cNvPr id="234" name="Shape 234"/>
+          <p:cNvPr id="233" name="Shape 233"/>
           <p:cNvSpPr/>
           <p:nvPr>
             <p:ph type="sldImg"/>
@@ -986,7 +986,7 @@
       </p:sp>
       <p:sp>
         <p:nvSpPr>
-          <p:cNvPr id="235" name="Shape 235"/>
+          <p:cNvPr id="234" name="Shape 234"/>
           <p:cNvSpPr/>
           <p:nvPr>
             <p:ph type="body" sz="quarter" idx="1"/>
@@ -1039,7 +1039,7 @@
       </p:grpSpPr>
       <p:sp>
         <p:nvSpPr>
-          <p:cNvPr id="242" name="Shape 242"/>
+          <p:cNvPr id="241" name="Shape 241"/>
           <p:cNvSpPr/>
           <p:nvPr>
             <p:ph type="sldImg"/>
@@ -1060,7 +1060,7 @@
       </p:sp>
       <p:sp>
         <p:nvSpPr>
-          <p:cNvPr id="243" name="Shape 243"/>
+          <p:cNvPr id="242" name="Shape 242"/>
           <p:cNvSpPr/>
           <p:nvPr>
             <p:ph type="body" sz="quarter" idx="1"/>
@@ -1113,7 +1113,7 @@
       </p:grpSpPr>
       <p:sp>
         <p:nvSpPr>
-          <p:cNvPr id="247" name="Shape 247"/>
+          <p:cNvPr id="246" name="Shape 246"/>
           <p:cNvSpPr/>
           <p:nvPr>
             <p:ph type="sldImg"/>
@@ -1134,7 +1134,7 @@
       </p:sp>
       <p:sp>
         <p:nvSpPr>
-          <p:cNvPr id="248" name="Shape 248"/>
+          <p:cNvPr id="247" name="Shape 247"/>
           <p:cNvSpPr/>
           <p:nvPr>
             <p:ph type="body" sz="quarter" idx="1"/>
@@ -1193,7 +1193,7 @@
       </p:grpSpPr>
       <p:sp>
         <p:nvSpPr>
-          <p:cNvPr id="253" name="Shape 253"/>
+          <p:cNvPr id="252" name="Shape 252"/>
           <p:cNvSpPr/>
           <p:nvPr>
             <p:ph type="sldImg"/>
@@ -1214,7 +1214,7 @@
       </p:sp>
       <p:sp>
         <p:nvSpPr>
-          <p:cNvPr id="254" name="Shape 254"/>
+          <p:cNvPr id="253" name="Shape 253"/>
           <p:cNvSpPr/>
           <p:nvPr>
             <p:ph type="body" sz="quarter" idx="1"/>
@@ -1396,7 +1396,7 @@
         <p:spPr>
           <a:xfrm>
             <a:off x="311698" y="1167925"/>
-            <a:ext cx="8520603" cy="1980002"/>
+            <a:ext cx="8520604" cy="1980003"/>
           </a:xfrm>
           <a:prstGeom prst="rect">
             <a:avLst/>
@@ -1432,7 +1432,7 @@
         <p:spPr>
           <a:xfrm>
             <a:off x="311698" y="3224250"/>
-            <a:ext cx="8520603" cy="1071602"/>
+            <a:ext cx="8520604" cy="1071603"/>
           </a:xfrm>
           <a:prstGeom prst="rect">
             <a:avLst/>
@@ -1789,7 +1789,7 @@
         <p:spPr>
           <a:xfrm>
             <a:off x="1866150" y="2513325"/>
-            <a:ext cx="6472200" cy="1539002"/>
+            <a:ext cx="6472200" cy="1539003"/>
           </a:xfrm>
           <a:prstGeom prst="rect">
             <a:avLst/>
@@ -1985,7 +1985,7 @@
         <p:spPr>
           <a:xfrm>
             <a:off x="311698" y="2480548"/>
-            <a:ext cx="8114404" cy="2445903"/>
+            <a:ext cx="8114404" cy="2445904"/>
           </a:xfrm>
           <a:prstGeom prst="rect">
             <a:avLst/>
@@ -2230,7 +2230,7 @@
         <p:spPr>
           <a:xfrm>
             <a:off x="311698" y="140225"/>
-            <a:ext cx="8520603" cy="572701"/>
+            <a:ext cx="8520604" cy="572701"/>
           </a:xfrm>
           <a:prstGeom prst="rect">
             <a:avLst/>
@@ -2262,7 +2262,7 @@
         <p:spPr>
           <a:xfrm>
             <a:off x="311698" y="1152475"/>
-            <a:ext cx="3999903" cy="3416400"/>
+            <a:ext cx="3999904" cy="3416400"/>
           </a:xfrm>
           <a:prstGeom prst="rect">
             <a:avLst/>
@@ -2374,8 +2374,8 @@
         </p:nvSpPr>
         <p:spPr>
           <a:xfrm>
-            <a:off x="4832398" y="1152475"/>
-            <a:ext cx="3999903" cy="3416400"/>
+            <a:off x="4832397" y="1152475"/>
+            <a:ext cx="3999905" cy="3416400"/>
           </a:xfrm>
           <a:prstGeom prst="rect">
             <a:avLst/>
@@ -2385,18 +2385,7 @@
           <a:bodyPr/>
           <a:lstStyle/>
           <a:p>
-            <a:pPr marL="457200" indent="-342900" algn="l">
-              <a:lnSpc>
-                <a:spcPct val="115000"/>
-              </a:lnSpc>
-              <a:buClr>
-                <a:srgbClr val="666666"/>
-              </a:buClr>
-              <a:buSzPts val="1800"/>
-              <a:buFont typeface="Helvetica"/>
-              <a:buChar char="●"/>
-              <a:defRPr sz="1800"/>
-            </a:pPr>
+            <a:pPr/>
           </a:p>
         </p:txBody>
       </p:sp>
@@ -2459,7 +2448,7 @@
         <p:spPr>
           <a:xfrm>
             <a:off x="311698" y="140225"/>
-            <a:ext cx="8520603" cy="572701"/>
+            <a:ext cx="8520604" cy="572701"/>
           </a:xfrm>
           <a:prstGeom prst="rect">
             <a:avLst/>
@@ -2539,7 +2528,7 @@
         <p:spPr>
           <a:xfrm>
             <a:off x="311698" y="631800"/>
-            <a:ext cx="2808003" cy="755700"/>
+            <a:ext cx="2808004" cy="755700"/>
           </a:xfrm>
           <a:prstGeom prst="rect">
             <a:avLst/>
@@ -2571,7 +2560,7 @@
         <p:spPr>
           <a:xfrm>
             <a:off x="311698" y="1490874"/>
-            <a:ext cx="2808003" cy="3078002"/>
+            <a:ext cx="2808004" cy="3078003"/>
           </a:xfrm>
           <a:prstGeom prst="rect">
             <a:avLst/>
@@ -2739,7 +2728,7 @@
         <p:spPr>
           <a:xfrm>
             <a:off x="490250" y="526348"/>
-            <a:ext cx="5683800" cy="4090803"/>
+            <a:ext cx="5683800" cy="4090804"/>
           </a:xfrm>
           <a:prstGeom prst="rect">
             <a:avLst/>
@@ -2828,8 +2817,8 @@
         </p:nvSpPr>
         <p:spPr>
           <a:xfrm>
-            <a:off x="4572000" y="98"/>
-            <a:ext cx="4572000" cy="5143503"/>
+            <a:off x="4572000" y="97"/>
+            <a:ext cx="4572000" cy="5143505"/>
           </a:xfrm>
           <a:prstGeom prst="rect">
             <a:avLst/>
@@ -2864,7 +2853,7 @@
         <p:spPr>
           <a:xfrm>
             <a:off x="5029675" y="4495500"/>
-            <a:ext cx="468302" cy="2"/>
+            <a:ext cx="468303" cy="3"/>
           </a:xfrm>
           <a:prstGeom prst="line">
             <a:avLst/>
@@ -3004,18 +2993,7 @@
           <a:bodyPr anchor="ctr"/>
           <a:lstStyle/>
           <a:p>
-            <a:pPr marL="457200" indent="-342900" algn="l">
-              <a:lnSpc>
-                <a:spcPct val="115000"/>
-              </a:lnSpc>
-              <a:buClr>
-                <a:srgbClr val="666666"/>
-              </a:buClr>
-              <a:buSzPts val="1800"/>
-              <a:buFont typeface="Helvetica"/>
-              <a:buChar char="●"/>
-              <a:defRPr sz="1800"/>
-            </a:pPr>
+            <a:pPr/>
           </a:p>
         </p:txBody>
       </p:sp>
@@ -3086,7 +3064,7 @@
         <p:spPr>
           <a:xfrm>
             <a:off x="319499" y="4233724"/>
-            <a:ext cx="5998803" cy="598802"/>
+            <a:ext cx="5998803" cy="598803"/>
           </a:xfrm>
           <a:prstGeom prst="rect">
             <a:avLst/>
@@ -3106,7 +3084,7 @@
                 <a:sym typeface="Alfa Slab One"/>
               </a:defRPr>
             </a:lvl1pPr>
-            <a:lvl2pPr marL="1005114" indent="-408213" algn="l">
+            <a:lvl2pPr marL="1233714" indent="-408213" algn="l">
               <a:buSzPts val="1800"/>
               <a:buChar char="○"/>
               <a:defRPr sz="1800">
@@ -3119,7 +3097,7 @@
                 <a:sym typeface="Alfa Slab One"/>
               </a:defRPr>
             </a:lvl2pPr>
-            <a:lvl3pPr marL="1462314" indent="-408214" algn="l">
+            <a:lvl3pPr marL="1690914" indent="-408214" algn="l">
               <a:buSzPts val="1800"/>
               <a:buChar char="■"/>
               <a:defRPr sz="1800">
@@ -3132,7 +3110,7 @@
                 <a:sym typeface="Alfa Slab One"/>
               </a:defRPr>
             </a:lvl3pPr>
-            <a:lvl4pPr marL="1919514" indent="-408214" algn="l">
+            <a:lvl4pPr marL="2148114" indent="-408214" algn="l">
               <a:buSzPts val="1800"/>
               <a:buChar char="●"/>
               <a:defRPr sz="1800">
@@ -3145,7 +3123,7 @@
                 <a:sym typeface="Alfa Slab One"/>
               </a:defRPr>
             </a:lvl4pPr>
-            <a:lvl5pPr marL="2376714" indent="-408214" algn="l">
+            <a:lvl5pPr marL="2605314" indent="-408214" algn="l">
               <a:buSzPts val="1800"/>
               <a:buChar char="○"/>
               <a:defRPr sz="1800">
@@ -3257,7 +3235,7 @@
         <p:spPr>
           <a:xfrm>
             <a:off x="311698" y="595975"/>
-            <a:ext cx="8520603" cy="1957802"/>
+            <a:ext cx="8520604" cy="1957803"/>
           </a:xfrm>
           <a:prstGeom prst="rect">
             <a:avLst/>
@@ -3272,7 +3250,7 @@
           </a:extLst>
         </p:spPr>
         <p:txBody>
-          <a:bodyPr lIns="91423" tIns="91423" rIns="91423" bIns="91423" anchor="b">
+          <a:bodyPr lIns="91422" tIns="91422" rIns="91422" bIns="91422" anchor="b">
             <a:normAutofit fontScale="100000" lnSpcReduction="0"/>
           </a:bodyPr>
           <a:lstStyle/>
@@ -3295,7 +3273,7 @@
         <p:spPr>
           <a:xfrm>
             <a:off x="311698" y="3165823"/>
-            <a:ext cx="8520603" cy="733502"/>
+            <a:ext cx="8520604" cy="733503"/>
           </a:xfrm>
           <a:prstGeom prst="rect">
             <a:avLst/>
@@ -3310,7 +3288,7 @@
           </a:extLst>
         </p:spPr>
         <p:txBody>
-          <a:bodyPr lIns="91423" tIns="91423" rIns="91423" bIns="91423">
+          <a:bodyPr lIns="91422" tIns="91422" rIns="91422" bIns="91422">
             <a:normAutofit fontScale="100000" lnSpcReduction="0"/>
           </a:bodyPr>
           <a:lstStyle/>
@@ -3356,8 +3334,8 @@
         </p:nvSpPr>
         <p:spPr>
           <a:xfrm>
-            <a:off x="8684348" y="4692392"/>
-            <a:ext cx="336812" cy="335249"/>
+            <a:off x="8684351" y="4692393"/>
+            <a:ext cx="336810" cy="335247"/>
           </a:xfrm>
           <a:prstGeom prst="rect">
             <a:avLst/>
@@ -3367,7 +3345,7 @@
           </a:ln>
         </p:spPr>
         <p:txBody>
-          <a:bodyPr wrap="none" lIns="91423" tIns="91423" rIns="91423" bIns="91423" anchor="ctr">
+          <a:bodyPr wrap="none" lIns="91422" tIns="91422" rIns="91422" bIns="91422" anchor="ctr">
             <a:spAutoFit/>
           </a:bodyPr>
           <a:lstStyle>
@@ -3672,7 +3650,7 @@
       </a:lvl9pPr>
     </p:titleStyle>
     <p:bodyStyle>
-      <a:lvl1pPr marL="228600" marR="0" indent="-114300" algn="ctr" defTabSz="914400" rtl="0" latinLnBrk="0">
+      <a:lvl1pPr marL="114300" marR="0" indent="0" algn="ctr" defTabSz="914400" rtl="0" latinLnBrk="0">
         <a:lnSpc>
           <a:spcPct val="100000"/>
         </a:lnSpc>
@@ -3701,7 +3679,7 @@
           <a:sym typeface="Proxima Nova"/>
         </a:defRPr>
       </a:lvl1pPr>
-      <a:lvl2pPr marL="228600" marR="0" indent="114300" algn="ctr" defTabSz="914400" rtl="0" latinLnBrk="0">
+      <a:lvl2pPr marL="114300" marR="0" indent="114300" algn="ctr" defTabSz="914400" rtl="0" latinLnBrk="0">
         <a:lnSpc>
           <a:spcPct val="100000"/>
         </a:lnSpc>
@@ -3730,7 +3708,7 @@
           <a:sym typeface="Proxima Nova"/>
         </a:defRPr>
       </a:lvl2pPr>
-      <a:lvl3pPr marL="228600" marR="0" indent="114300" algn="ctr" defTabSz="914400" rtl="0" latinLnBrk="0">
+      <a:lvl3pPr marL="114300" marR="0" indent="114300" algn="ctr" defTabSz="914400" rtl="0" latinLnBrk="0">
         <a:lnSpc>
           <a:spcPct val="100000"/>
         </a:lnSpc>
@@ -3759,7 +3737,7 @@
           <a:sym typeface="Proxima Nova"/>
         </a:defRPr>
       </a:lvl3pPr>
-      <a:lvl4pPr marL="228600" marR="0" indent="114300" algn="ctr" defTabSz="914400" rtl="0" latinLnBrk="0">
+      <a:lvl4pPr marL="114300" marR="0" indent="114300" algn="ctr" defTabSz="914400" rtl="0" latinLnBrk="0">
         <a:lnSpc>
           <a:spcPct val="100000"/>
         </a:lnSpc>
@@ -3788,7 +3766,7 @@
           <a:sym typeface="Proxima Nova"/>
         </a:defRPr>
       </a:lvl4pPr>
-      <a:lvl5pPr marL="228600" marR="0" indent="114300" algn="ctr" defTabSz="914400" rtl="0" latinLnBrk="0">
+      <a:lvl5pPr marL="114300" marR="0" indent="114300" algn="ctr" defTabSz="914400" rtl="0" latinLnBrk="0">
         <a:lnSpc>
           <a:spcPct val="100000"/>
         </a:lnSpc>
@@ -3817,7 +3795,7 @@
           <a:sym typeface="Proxima Nova"/>
         </a:defRPr>
       </a:lvl5pPr>
-      <a:lvl6pPr marL="2969985" marR="0" indent="-544285" algn="ctr" defTabSz="914400" rtl="0" latinLnBrk="0">
+      <a:lvl6pPr marL="2969984" marR="0" indent="-544284" algn="ctr" defTabSz="914400" rtl="0" latinLnBrk="0">
         <a:lnSpc>
           <a:spcPct val="100000"/>
         </a:lnSpc>
@@ -3846,7 +3824,7 @@
           <a:sym typeface="Proxima Nova"/>
         </a:defRPr>
       </a:lvl6pPr>
-      <a:lvl7pPr marL="3427185" marR="0" indent="-544285" algn="ctr" defTabSz="914400" rtl="0" latinLnBrk="0">
+      <a:lvl7pPr marL="3427184" marR="0" indent="-544284" algn="ctr" defTabSz="914400" rtl="0" latinLnBrk="0">
         <a:lnSpc>
           <a:spcPct val="100000"/>
         </a:lnSpc>
@@ -3875,7 +3853,7 @@
           <a:sym typeface="Proxima Nova"/>
         </a:defRPr>
       </a:lvl7pPr>
-      <a:lvl8pPr marL="3884384" marR="0" indent="-544284" algn="ctr" defTabSz="914400" rtl="0" latinLnBrk="0">
+      <a:lvl8pPr marL="3884383" marR="0" indent="-544283" algn="ctr" defTabSz="914400" rtl="0" latinLnBrk="0">
         <a:lnSpc>
           <a:spcPct val="100000"/>
         </a:lnSpc>
@@ -3904,7 +3882,7 @@
           <a:sym typeface="Proxima Nova"/>
         </a:defRPr>
       </a:lvl8pPr>
-      <a:lvl9pPr marL="4341584" marR="0" indent="-544284" algn="ctr" defTabSz="914400" rtl="0" latinLnBrk="0">
+      <a:lvl9pPr marL="4341583" marR="0" indent="-544283" algn="ctr" defTabSz="914400" rtl="0" latinLnBrk="0">
         <a:lnSpc>
           <a:spcPct val="100000"/>
         </a:lnSpc>
@@ -4239,8 +4217,8 @@
         </p:nvSpPr>
         <p:spPr>
           <a:xfrm>
-            <a:off x="3345305" y="1457997"/>
-            <a:ext cx="5798702" cy="1467003"/>
+            <a:off x="3345304" y="1457996"/>
+            <a:ext cx="5798704" cy="1467004"/>
           </a:xfrm>
           <a:prstGeom prst="rect">
             <a:avLst/>
@@ -4250,7 +4228,7 @@
           <a:bodyPr anchor="t"/>
           <a:lstStyle/>
           <a:p>
-            <a:pPr algn="r" defTabSz="886967">
+            <a:pPr algn="r" defTabSz="886966">
               <a:defRPr sz="2900">
                 <a:solidFill>
                   <a:srgbClr val="FFFFFF"/>
@@ -4262,7 +4240,7 @@
             </a:r>
           </a:p>
           <a:p>
-            <a:pPr algn="r" defTabSz="886967">
+            <a:pPr algn="r" defTabSz="886966">
               <a:defRPr sz="2900">
                 <a:solidFill>
                   <a:srgbClr val="FFFFFF"/>
@@ -4274,7 +4252,7 @@
             </a:r>
           </a:p>
           <a:p>
-            <a:pPr algn="r" defTabSz="886967">
+            <a:pPr algn="r" defTabSz="886966">
               <a:defRPr sz="2900">
                 <a:solidFill>
                   <a:srgbClr val="FFFFFF"/>
@@ -4298,7 +4276,7 @@
         <p:spPr>
           <a:xfrm>
             <a:off x="5844525" y="3519575"/>
-            <a:ext cx="3254100" cy="1264502"/>
+            <a:ext cx="3254100" cy="1264503"/>
           </a:xfrm>
           <a:prstGeom prst="rect">
             <a:avLst/>
@@ -4308,7 +4286,7 @@
           <a:bodyPr/>
           <a:lstStyle/>
           <a:p>
-            <a:pPr marL="0" indent="0" algn="r" defTabSz="905255">
+            <a:pPr marL="0" algn="r" defTabSz="905255">
               <a:defRPr sz="2300">
                 <a:solidFill>
                   <a:srgbClr val="FFFFFF"/>
@@ -4320,7 +4298,7 @@
             </a:r>
           </a:p>
           <a:p>
-            <a:pPr marL="0" indent="0" algn="r" defTabSz="905255">
+            <a:pPr marL="0" algn="r" defTabSz="905255">
               <a:defRPr sz="2300">
                 <a:solidFill>
                   <a:srgbClr val="FFFFFF"/>
@@ -4332,7 +4310,7 @@
             </a:r>
           </a:p>
           <a:p>
-            <a:pPr marL="0" indent="0" algn="r" defTabSz="905255">
+            <a:pPr marL="0" algn="r" defTabSz="905255">
               <a:defRPr sz="2300">
                 <a:solidFill>
                   <a:srgbClr val="FFFFFF"/>
@@ -4373,7 +4351,7 @@
       </p:grpSpPr>
       <p:sp>
         <p:nvSpPr>
-          <p:cNvPr id="162" name="Shape 121"/>
+          <p:cNvPr id="161" name="Shape 121"/>
           <p:cNvSpPr txBox="1"/>
           <p:nvPr>
             <p:ph type="title" idx="4294967295"/>
@@ -4382,7 +4360,7 @@
         <p:spPr>
           <a:xfrm>
             <a:off x="311699" y="140223"/>
-            <a:ext cx="8520602" cy="572704"/>
+            <a:ext cx="8520602" cy="572705"/>
           </a:xfrm>
           <a:prstGeom prst="rect">
             <a:avLst/>
@@ -4405,7 +4383,7 @@
       </p:sp>
       <p:pic>
         <p:nvPicPr>
-          <p:cNvPr id="163" name="Shape 122" descr="Shape 122"/>
+          <p:cNvPr id="162" name="Shape 122" descr="Shape 122"/>
           <p:cNvPicPr>
             <a:picLocks noChangeAspect="1"/>
           </p:cNvPicPr>
@@ -4422,7 +4400,7 @@
         <p:spPr>
           <a:xfrm>
             <a:off x="311698" y="884399"/>
-            <a:ext cx="8629904" cy="3737902"/>
+            <a:ext cx="8629905" cy="3737903"/>
           </a:xfrm>
           <a:prstGeom prst="rect">
             <a:avLst/>
@@ -4434,14 +4412,14 @@
       </p:pic>
       <p:sp>
         <p:nvSpPr>
-          <p:cNvPr id="164" name="Shape 123"/>
+          <p:cNvPr id="163" name="Shape 123"/>
           <p:cNvSpPr/>
           <p:nvPr/>
         </p:nvSpPr>
         <p:spPr>
           <a:xfrm>
             <a:off x="7691373" y="3857625"/>
-            <a:ext cx="666902" cy="250199"/>
+            <a:ext cx="666903" cy="250199"/>
           </a:xfrm>
           <a:prstGeom prst="rect">
             <a:avLst/>
@@ -4494,7 +4472,7 @@
       </p:grpSpPr>
       <p:sp>
         <p:nvSpPr>
-          <p:cNvPr id="166" name="Shape 128"/>
+          <p:cNvPr id="165" name="Shape 128"/>
           <p:cNvSpPr txBox="1"/>
           <p:nvPr>
             <p:ph type="title" idx="4294967295"/>
@@ -4503,7 +4481,7 @@
         <p:spPr>
           <a:xfrm>
             <a:off x="311699" y="140223"/>
-            <a:ext cx="8520602" cy="572704"/>
+            <a:ext cx="8520602" cy="572705"/>
           </a:xfrm>
           <a:prstGeom prst="rect">
             <a:avLst/>
@@ -4529,14 +4507,14 @@
       </p:sp>
       <p:sp>
         <p:nvSpPr>
-          <p:cNvPr id="167" name="Shape 129"/>
+          <p:cNvPr id="166" name="Shape 129"/>
           <p:cNvSpPr txBox="1"/>
           <p:nvPr/>
         </p:nvSpPr>
         <p:spPr>
           <a:xfrm>
             <a:off x="1657150" y="1007980"/>
-            <a:ext cx="6773399" cy="3423888"/>
+            <a:ext cx="6773399" cy="3423887"/>
           </a:xfrm>
           <a:prstGeom prst="rect">
             <a:avLst/>
@@ -4551,7 +4529,7 @@
           </a:extLst>
         </p:spPr>
         <p:txBody>
-          <a:bodyPr lIns="91423" tIns="91423" rIns="91423" bIns="91423" anchor="ctr">
+          <a:bodyPr lIns="91422" tIns="91422" rIns="91422" bIns="91422" anchor="ctr">
             <a:spAutoFit/>
           </a:bodyPr>
           <a:lstStyle/>
@@ -4785,7 +4763,7 @@
       </p:grpSpPr>
       <p:sp>
         <p:nvSpPr>
-          <p:cNvPr id="169" name="Lower ERA is better performance for Pitchers…"/>
+          <p:cNvPr id="168" name="Lower ERA is better performance for Pitchers…"/>
           <p:cNvSpPr txBox="1"/>
           <p:nvPr>
             <p:ph type="body" sz="half" idx="4294967295"/>
@@ -4794,7 +4772,7 @@
         <p:spPr>
           <a:xfrm>
             <a:off x="23649" y="935701"/>
-            <a:ext cx="2776784" cy="3962007"/>
+            <a:ext cx="2776784" cy="3962008"/>
           </a:xfrm>
           <a:prstGeom prst="rect">
             <a:avLst/>
@@ -4884,7 +4862,7 @@
       </p:sp>
       <p:sp>
         <p:nvSpPr>
-          <p:cNvPr id="170" name="Shape 134"/>
+          <p:cNvPr id="169" name="Shape 134"/>
           <p:cNvSpPr txBox="1"/>
           <p:nvPr>
             <p:ph type="title" idx="4294967295"/>
@@ -4893,7 +4871,7 @@
         <p:spPr>
           <a:xfrm>
             <a:off x="311699" y="140223"/>
-            <a:ext cx="8520602" cy="572704"/>
+            <a:ext cx="8520602" cy="572705"/>
           </a:xfrm>
           <a:prstGeom prst="rect">
             <a:avLst/>
@@ -4919,7 +4897,7 @@
       </p:sp>
       <p:pic>
         <p:nvPicPr>
-          <p:cNvPr id="171" name="Picture 3" descr="Picture 3"/>
+          <p:cNvPr id="170" name="Picture 3" descr="Picture 3"/>
           <p:cNvPicPr>
             <a:picLocks noChangeAspect="1"/>
           </p:cNvPicPr>
@@ -4948,14 +4926,14 @@
       </p:pic>
       <p:sp>
         <p:nvSpPr>
-          <p:cNvPr id="172" name="Straight Connector 5"/>
+          <p:cNvPr id="171" name="Straight Connector 5"/>
           <p:cNvSpPr/>
           <p:nvPr/>
         </p:nvSpPr>
         <p:spPr>
           <a:xfrm flipH="1" flipV="1">
             <a:off x="3650341" y="1341778"/>
-            <a:ext cx="3389901" cy="3553808"/>
+            <a:ext cx="3389902" cy="3553808"/>
           </a:xfrm>
           <a:prstGeom prst="line">
             <a:avLst/>
@@ -4976,14 +4954,14 @@
       </p:sp>
       <p:sp>
         <p:nvSpPr>
-          <p:cNvPr id="173" name="Straight Arrow Connector 12"/>
+          <p:cNvPr id="172" name="Straight Arrow Connector 12"/>
           <p:cNvSpPr/>
           <p:nvPr/>
         </p:nvSpPr>
         <p:spPr>
           <a:xfrm flipV="1">
             <a:off x="2397902" y="2314774"/>
-            <a:ext cx="1579420" cy="607469"/>
+            <a:ext cx="1579421" cy="607469"/>
           </a:xfrm>
           <a:prstGeom prst="line">
             <a:avLst/>
@@ -5005,14 +4983,14 @@
       </p:sp>
       <p:sp>
         <p:nvSpPr>
-          <p:cNvPr id="174" name="Straight Arrow Connector 15"/>
+          <p:cNvPr id="173" name="Straight Arrow Connector 15"/>
           <p:cNvSpPr/>
           <p:nvPr/>
         </p:nvSpPr>
         <p:spPr>
           <a:xfrm flipV="1">
-            <a:off x="2385111" y="1477108"/>
-            <a:ext cx="1694520" cy="1438743"/>
+            <a:off x="2385110" y="1477107"/>
+            <a:ext cx="1694522" cy="1438744"/>
           </a:xfrm>
           <a:prstGeom prst="line">
             <a:avLst/>
@@ -5034,14 +5012,14 @@
       </p:sp>
       <p:sp>
         <p:nvSpPr>
-          <p:cNvPr id="175" name="Straight Arrow Connector 16"/>
+          <p:cNvPr id="174" name="Straight Arrow Connector 16"/>
           <p:cNvSpPr/>
           <p:nvPr/>
         </p:nvSpPr>
         <p:spPr>
           <a:xfrm flipV="1">
             <a:off x="2627235" y="4117997"/>
-            <a:ext cx="4413006" cy="260910"/>
+            <a:ext cx="4413006" cy="260911"/>
           </a:xfrm>
           <a:prstGeom prst="line">
             <a:avLst/>
@@ -5063,14 +5041,14 @@
       </p:sp>
       <p:sp>
         <p:nvSpPr>
-          <p:cNvPr id="176" name="Straight Arrow Connector 19"/>
+          <p:cNvPr id="175" name="Straight Arrow Connector 19"/>
           <p:cNvSpPr/>
           <p:nvPr/>
         </p:nvSpPr>
         <p:spPr>
           <a:xfrm flipV="1">
-            <a:off x="2627235" y="3601315"/>
-            <a:ext cx="4054917" cy="771197"/>
+            <a:off x="2627234" y="3601315"/>
+            <a:ext cx="4054918" cy="771198"/>
           </a:xfrm>
           <a:prstGeom prst="line">
             <a:avLst/>
@@ -5092,14 +5070,14 @@
       </p:sp>
       <p:sp>
         <p:nvSpPr>
-          <p:cNvPr id="177" name="Oval 21"/>
+          <p:cNvPr id="176" name="Oval 21"/>
           <p:cNvSpPr/>
           <p:nvPr/>
         </p:nvSpPr>
         <p:spPr>
           <a:xfrm>
             <a:off x="4853340" y="1179649"/>
-            <a:ext cx="1470717" cy="805699"/>
+            <a:ext cx="1470719" cy="805701"/>
           </a:xfrm>
           <a:prstGeom prst="ellipse">
             <a:avLst/>
@@ -5131,14 +5109,14 @@
       </p:sp>
       <p:sp>
         <p:nvSpPr>
-          <p:cNvPr id="178" name="TextBox 22"/>
+          <p:cNvPr id="177" name="TextBox 22"/>
           <p:cNvSpPr txBox="1"/>
           <p:nvPr/>
         </p:nvSpPr>
         <p:spPr>
           <a:xfrm>
-            <a:off x="6049095" y="140223"/>
-            <a:ext cx="2900842" cy="695223"/>
+            <a:off x="6049095" y="140222"/>
+            <a:ext cx="2900840" cy="695221"/>
           </a:xfrm>
           <a:prstGeom prst="rect">
             <a:avLst/>
@@ -5237,7 +5215,7 @@
                                       <p:cBhvr>
                                         <p:cTn id="6" fill="hold"/>
                                         <p:tgtEl>
-                                          <p:spTgt spid="172"/>
+                                          <p:spTgt spid="171"/>
                                         </p:tgtEl>
                                         <p:attrNameLst>
                                           <p:attrName>style.visibility</p:attrName>
@@ -5281,7 +5259,7 @@
                                       <p:cBhvr>
                                         <p:cTn id="10" fill="hold"/>
                                         <p:tgtEl>
-                                          <p:spTgt spid="174"/>
+                                          <p:spTgt spid="173"/>
                                         </p:tgtEl>
                                         <p:attrNameLst>
                                           <p:attrName>style.visibility</p:attrName>
@@ -5316,7 +5294,7 @@
                                       <p:cBhvr>
                                         <p:cTn id="13" fill="hold"/>
                                         <p:tgtEl>
-                                          <p:spTgt spid="173"/>
+                                          <p:spTgt spid="172"/>
                                         </p:tgtEl>
                                         <p:attrNameLst>
                                           <p:attrName>style.visibility</p:attrName>
@@ -5360,7 +5338,7 @@
                                       <p:cBhvr>
                                         <p:cTn id="17" fill="hold"/>
                                         <p:tgtEl>
-                                          <p:spTgt spid="176"/>
+                                          <p:spTgt spid="175"/>
                                         </p:tgtEl>
                                         <p:attrNameLst>
                                           <p:attrName>style.visibility</p:attrName>
@@ -5395,7 +5373,7 @@
                                       <p:cBhvr>
                                         <p:cTn id="20" fill="hold"/>
                                         <p:tgtEl>
-                                          <p:spTgt spid="175"/>
+                                          <p:spTgt spid="174"/>
                                         </p:tgtEl>
                                         <p:attrNameLst>
                                           <p:attrName>style.visibility</p:attrName>
@@ -5439,7 +5417,7 @@
                                       <p:cBhvr>
                                         <p:cTn id="24" fill="hold"/>
                                         <p:tgtEl>
-                                          <p:spTgt spid="177"/>
+                                          <p:spTgt spid="176"/>
                                         </p:tgtEl>
                                         <p:attrNameLst>
                                           <p:attrName>style.visibility</p:attrName>
@@ -5474,7 +5452,7 @@
                                       <p:cBhvr>
                                         <p:cTn id="27" fill="hold"/>
                                         <p:tgtEl>
-                                          <p:spTgt spid="178"/>
+                                          <p:spTgt spid="177"/>
                                         </p:tgtEl>
                                         <p:attrNameLst>
                                           <p:attrName>style.visibility</p:attrName>
@@ -5515,13 +5493,13 @@
       </p:par>
     </p:tnLst>
     <p:bldLst>
-      <p:bldP build="whole" bldLvl="1" animBg="1" rev="0" advAuto="0" spid="175" grpId="5"/>
-      <p:bldP build="whole" bldLvl="1" animBg="1" rev="0" advAuto="0" spid="174" grpId="2"/>
-      <p:bldP build="whole" bldLvl="1" animBg="1" rev="0" advAuto="0" spid="178" grpId="7"/>
-      <p:bldP build="whole" bldLvl="1" animBg="1" rev="0" advAuto="0" spid="176" grpId="4"/>
-      <p:bldP build="whole" bldLvl="1" animBg="1" rev="0" advAuto="0" spid="173" grpId="3"/>
-      <p:bldP build="whole" bldLvl="1" animBg="1" rev="0" advAuto="0" spid="177" grpId="6"/>
-      <p:bldP build="whole" bldLvl="1" animBg="1" rev="0" advAuto="0" spid="172" grpId="1"/>
+      <p:bldP build="whole" bldLvl="1" animBg="1" rev="0" advAuto="0" spid="174" grpId="5"/>
+      <p:bldP build="whole" bldLvl="1" animBg="1" rev="0" advAuto="0" spid="172" grpId="3"/>
+      <p:bldP build="whole" bldLvl="1" animBg="1" rev="0" advAuto="0" spid="171" grpId="1"/>
+      <p:bldP build="whole" bldLvl="1" animBg="1" rev="0" advAuto="0" spid="177" grpId="7"/>
+      <p:bldP build="whole" bldLvl="1" animBg="1" rev="0" advAuto="0" spid="173" grpId="2"/>
+      <p:bldP build="whole" bldLvl="1" animBg="1" rev="0" advAuto="0" spid="175" grpId="4"/>
+      <p:bldP build="whole" bldLvl="1" animBg="1" rev="0" advAuto="0" spid="176" grpId="6"/>
     </p:bldLst>
   </p:timing>
 </p:sld>
@@ -5546,7 +5524,7 @@
       </p:grpSpPr>
       <p:sp>
         <p:nvSpPr>
-          <p:cNvPr id="180" name="More Wins is better performance for Pitchers…"/>
+          <p:cNvPr id="179" name="More Wins is better performance for Pitchers…"/>
           <p:cNvSpPr txBox="1"/>
           <p:nvPr>
             <p:ph type="body" sz="half" idx="4294967295"/>
@@ -5555,7 +5533,7 @@
         <p:spPr>
           <a:xfrm>
             <a:off x="202143" y="786511"/>
-            <a:ext cx="2879962" cy="4015689"/>
+            <a:ext cx="2879963" cy="4015690"/>
           </a:xfrm>
           <a:prstGeom prst="rect">
             <a:avLst/>
@@ -5568,7 +5546,7 @@
           <a:bodyPr/>
           <a:lstStyle/>
           <a:p>
-            <a:pPr marL="443483" indent="-332613" algn="l" defTabSz="886967">
+            <a:pPr marL="443483" indent="-332613" algn="l" defTabSz="886966">
               <a:lnSpc>
                 <a:spcPct val="115000"/>
               </a:lnSpc>
@@ -5585,7 +5563,7 @@
             </a:r>
           </a:p>
           <a:p>
-            <a:pPr marL="443483" indent="-332613" algn="l" defTabSz="886967">
+            <a:pPr marL="443483" indent="-332613" algn="l" defTabSz="886966">
               <a:lnSpc>
                 <a:spcPct val="115000"/>
               </a:lnSpc>
@@ -5602,7 +5580,7 @@
             </a:r>
           </a:p>
           <a:p>
-            <a:pPr lvl="1" marL="886967" indent="-307975" algn="l" defTabSz="886967">
+            <a:pPr lvl="1" marL="886966" indent="-307975" algn="l" defTabSz="886966">
               <a:lnSpc>
                 <a:spcPct val="115000"/>
               </a:lnSpc>
@@ -5619,7 +5597,7 @@
             </a:r>
           </a:p>
           <a:p>
-            <a:pPr lvl="1" marL="886967" indent="-307975" algn="l" defTabSz="886967">
+            <a:pPr lvl="1" marL="886966" indent="-307975" algn="l" defTabSz="886966">
               <a:lnSpc>
                 <a:spcPct val="115000"/>
               </a:lnSpc>
@@ -5639,7 +5617,7 @@
       </p:sp>
       <p:pic>
         <p:nvPicPr>
-          <p:cNvPr id="181" name="Picture 4" descr="Picture 4"/>
+          <p:cNvPr id="180" name="Picture 4" descr="Picture 4"/>
           <p:cNvPicPr>
             <a:picLocks noChangeAspect="1"/>
           </p:cNvPicPr>
@@ -5656,7 +5634,7 @@
         <p:spPr>
           <a:xfrm>
             <a:off x="3082101" y="786512"/>
-            <a:ext cx="6023537" cy="4015688"/>
+            <a:ext cx="6023538" cy="4015688"/>
           </a:xfrm>
           <a:prstGeom prst="rect">
             <a:avLst/>
@@ -5668,14 +5646,14 @@
       </p:pic>
       <p:sp>
         <p:nvSpPr>
-          <p:cNvPr id="182" name="Straight Connector 5"/>
+          <p:cNvPr id="181" name="Straight Connector 5"/>
           <p:cNvSpPr/>
           <p:nvPr/>
         </p:nvSpPr>
         <p:spPr>
           <a:xfrm flipV="1">
             <a:off x="3804670" y="1918322"/>
-            <a:ext cx="5027631" cy="2340355"/>
+            <a:ext cx="5027632" cy="2340356"/>
           </a:xfrm>
           <a:prstGeom prst="line">
             <a:avLst/>
@@ -5696,14 +5674,14 @@
       </p:sp>
       <p:sp>
         <p:nvSpPr>
-          <p:cNvPr id="183" name="Straight Arrow Connector 12"/>
+          <p:cNvPr id="182" name="Straight Arrow Connector 12"/>
           <p:cNvSpPr/>
           <p:nvPr/>
         </p:nvSpPr>
         <p:spPr>
           <a:xfrm>
             <a:off x="2794354" y="2564157"/>
-            <a:ext cx="1445139" cy="1573025"/>
+            <a:ext cx="1445140" cy="1573026"/>
           </a:xfrm>
           <a:prstGeom prst="line">
             <a:avLst/>
@@ -5725,14 +5703,14 @@
       </p:sp>
       <p:sp>
         <p:nvSpPr>
-          <p:cNvPr id="184" name="Straight Arrow Connector 13"/>
+          <p:cNvPr id="183" name="Straight Arrow Connector 13"/>
           <p:cNvSpPr/>
           <p:nvPr/>
         </p:nvSpPr>
         <p:spPr>
           <a:xfrm>
             <a:off x="2794354" y="2564157"/>
-            <a:ext cx="1400378" cy="946374"/>
+            <a:ext cx="1400379" cy="946375"/>
           </a:xfrm>
           <a:prstGeom prst="line">
             <a:avLst/>
@@ -5754,14 +5732,14 @@
       </p:sp>
       <p:sp>
         <p:nvSpPr>
-          <p:cNvPr id="185" name="Oval 26"/>
+          <p:cNvPr id="184" name="Oval 26"/>
           <p:cNvSpPr/>
           <p:nvPr/>
         </p:nvSpPr>
         <p:spPr>
           <a:xfrm>
-            <a:off x="5754964" y="991133"/>
-            <a:ext cx="1470718" cy="805699"/>
+            <a:off x="5754963" y="991133"/>
+            <a:ext cx="1470719" cy="805701"/>
           </a:xfrm>
           <a:prstGeom prst="ellipse">
             <a:avLst/>
@@ -5793,14 +5771,14 @@
       </p:sp>
       <p:sp>
         <p:nvSpPr>
-          <p:cNvPr id="186" name="TextBox 27"/>
+          <p:cNvPr id="185" name="TextBox 27"/>
           <p:cNvSpPr txBox="1"/>
           <p:nvPr/>
         </p:nvSpPr>
         <p:spPr>
           <a:xfrm>
-            <a:off x="6816435" y="18730"/>
-            <a:ext cx="2199105" cy="695223"/>
+            <a:off x="6816435" y="18729"/>
+            <a:ext cx="2199103" cy="695221"/>
           </a:xfrm>
           <a:prstGeom prst="rect">
             <a:avLst/>
@@ -5862,7 +5840,7 @@
       </p:sp>
       <p:sp>
         <p:nvSpPr>
-          <p:cNvPr id="187" name="Pitching Rate Stats – Salary vs. Wins"/>
+          <p:cNvPr id="186" name="Pitching Rate Stats – Salary vs. Wins"/>
           <p:cNvSpPr txBox="1"/>
           <p:nvPr>
             <p:ph type="title" idx="4294967295"/>
@@ -5871,7 +5849,7 @@
         <p:spPr>
           <a:xfrm>
             <a:off x="311699" y="140223"/>
-            <a:ext cx="8520602" cy="572704"/>
+            <a:ext cx="8520602" cy="572705"/>
           </a:xfrm>
           <a:prstGeom prst="rect">
             <a:avLst/>
@@ -5934,7 +5912,7 @@
                                       <p:cBhvr>
                                         <p:cTn id="6" fill="hold"/>
                                         <p:tgtEl>
-                                          <p:spTgt spid="182"/>
+                                          <p:spTgt spid="181"/>
                                         </p:tgtEl>
                                         <p:attrNameLst>
                                           <p:attrName>style.visibility</p:attrName>
@@ -5978,7 +5956,7 @@
                                       <p:cBhvr>
                                         <p:cTn id="10" fill="hold"/>
                                         <p:tgtEl>
-                                          <p:spTgt spid="184"/>
+                                          <p:spTgt spid="183"/>
                                         </p:tgtEl>
                                         <p:attrNameLst>
                                           <p:attrName>style.visibility</p:attrName>
@@ -6013,7 +5991,7 @@
                                       <p:cBhvr>
                                         <p:cTn id="13" fill="hold"/>
                                         <p:tgtEl>
-                                          <p:spTgt spid="183"/>
+                                          <p:spTgt spid="182"/>
                                         </p:tgtEl>
                                         <p:attrNameLst>
                                           <p:attrName>style.visibility</p:attrName>
@@ -6057,7 +6035,7 @@
                                       <p:cBhvr>
                                         <p:cTn id="17" fill="hold"/>
                                         <p:tgtEl>
-                                          <p:spTgt spid="185"/>
+                                          <p:spTgt spid="184"/>
                                         </p:tgtEl>
                                         <p:attrNameLst>
                                           <p:attrName>style.visibility</p:attrName>
@@ -6092,7 +6070,7 @@
                                       <p:cBhvr>
                                         <p:cTn id="20" fill="hold"/>
                                         <p:tgtEl>
-                                          <p:spTgt spid="186"/>
+                                          <p:spTgt spid="185"/>
                                         </p:tgtEl>
                                         <p:attrNameLst>
                                           <p:attrName>style.visibility</p:attrName>
@@ -6133,11 +6111,11 @@
       </p:par>
     </p:tnLst>
     <p:bldLst>
-      <p:bldP build="whole" bldLvl="1" animBg="1" rev="0" advAuto="0" spid="184" grpId="2"/>
-      <p:bldP build="whole" bldLvl="1" animBg="1" rev="0" advAuto="0" spid="185" grpId="4"/>
-      <p:bldP build="whole" bldLvl="1" animBg="1" rev="0" advAuto="0" spid="186" grpId="5"/>
-      <p:bldP build="whole" bldLvl="1" animBg="1" rev="0" advAuto="0" spid="182" grpId="1"/>
-      <p:bldP build="whole" bldLvl="1" animBg="1" rev="0" advAuto="0" spid="183" grpId="3"/>
+      <p:bldP build="whole" bldLvl="1" animBg="1" rev="0" advAuto="0" spid="182" grpId="3"/>
+      <p:bldP build="whole" bldLvl="1" animBg="1" rev="0" advAuto="0" spid="181" grpId="1"/>
+      <p:bldP build="whole" bldLvl="1" animBg="1" rev="0" advAuto="0" spid="183" grpId="2"/>
+      <p:bldP build="whole" bldLvl="1" animBg="1" rev="0" advAuto="0" spid="184" grpId="4"/>
+      <p:bldP build="whole" bldLvl="1" animBg="1" rev="0" advAuto="0" spid="185" grpId="5"/>
     </p:bldLst>
   </p:timing>
 </p:sld>
@@ -6162,7 +6140,7 @@
       </p:grpSpPr>
       <p:sp>
         <p:nvSpPr>
-          <p:cNvPr id="189" name="Pitching Rate Stats – Salary vs. Strike Outs (SO)"/>
+          <p:cNvPr id="188" name="Pitching Rate Stats – Salary vs. Strike Outs (SO)"/>
           <p:cNvSpPr txBox="1"/>
           <p:nvPr>
             <p:ph type="title" idx="4294967295"/>
@@ -6171,7 +6149,7 @@
         <p:spPr>
           <a:xfrm>
             <a:off x="311699" y="140223"/>
-            <a:ext cx="8520602" cy="572704"/>
+            <a:ext cx="8520602" cy="572705"/>
           </a:xfrm>
           <a:prstGeom prst="rect">
             <a:avLst/>
@@ -6194,7 +6172,7 @@
       </p:sp>
       <p:sp>
         <p:nvSpPr>
-          <p:cNvPr id="190" name="More Strike Outs is better performance for Pitchers…"/>
+          <p:cNvPr id="189" name="More Strike Outs is better performance for Pitchers…"/>
           <p:cNvSpPr txBox="1"/>
           <p:nvPr>
             <p:ph type="body" sz="half" idx="4294967295"/>
@@ -6202,8 +6180,8 @@
         </p:nvSpPr>
         <p:spPr>
           <a:xfrm>
-            <a:off x="303743" y="998827"/>
-            <a:ext cx="2879962" cy="3779689"/>
+            <a:off x="303742" y="998826"/>
+            <a:ext cx="2879963" cy="3779691"/>
           </a:xfrm>
           <a:prstGeom prst="rect">
             <a:avLst/>
@@ -6287,7 +6265,7 @@
       </p:sp>
       <p:pic>
         <p:nvPicPr>
-          <p:cNvPr id="191" name="Picture 3" descr="Picture 3"/>
+          <p:cNvPr id="190" name="Picture 3" descr="Picture 3"/>
           <p:cNvPicPr>
             <a:picLocks noChangeAspect="1"/>
           </p:cNvPicPr>
@@ -6316,14 +6294,14 @@
       </p:pic>
       <p:sp>
         <p:nvSpPr>
-          <p:cNvPr id="192" name="Straight Connector 5"/>
+          <p:cNvPr id="191" name="Straight Connector 5"/>
           <p:cNvSpPr/>
           <p:nvPr/>
         </p:nvSpPr>
         <p:spPr>
           <a:xfrm flipV="1">
             <a:off x="3804670" y="1475507"/>
-            <a:ext cx="4681239" cy="2783169"/>
+            <a:ext cx="4681240" cy="2783170"/>
           </a:xfrm>
           <a:prstGeom prst="line">
             <a:avLst/>
@@ -6344,14 +6322,14 @@
       </p:sp>
       <p:sp>
         <p:nvSpPr>
-          <p:cNvPr id="193" name="Straight Arrow Connector 9"/>
+          <p:cNvPr id="192" name="Straight Arrow Connector 9"/>
           <p:cNvSpPr/>
           <p:nvPr/>
         </p:nvSpPr>
         <p:spPr>
           <a:xfrm>
             <a:off x="2944090" y="2777835"/>
-            <a:ext cx="4980711" cy="893622"/>
+            <a:ext cx="4980712" cy="893623"/>
           </a:xfrm>
           <a:prstGeom prst="line">
             <a:avLst/>
@@ -6373,28 +6351,28 @@
       </p:sp>
       <p:grpSp>
         <p:nvGrpSpPr>
-          <p:cNvPr id="196" name="Oval 10"/>
+          <p:cNvPr id="195" name="Oval 10"/>
           <p:cNvGrpSpPr/>
           <p:nvPr/>
         </p:nvGrpSpPr>
         <p:grpSpPr>
           <a:xfrm>
-            <a:off x="7619998" y="2777836"/>
-            <a:ext cx="1212305" cy="1676985"/>
-            <a:chOff x="0" y="0"/>
-            <a:chExt cx="1212304" cy="1676984"/>
+            <a:off x="7619996" y="2777835"/>
+            <a:ext cx="1212307" cy="1676988"/>
+            <a:chOff x="-1" y="-1"/>
+            <a:chExt cx="1212306" cy="1676987"/>
           </a:xfrm>
         </p:grpSpPr>
         <p:sp>
           <p:nvSpPr>
-            <p:cNvPr id="194" name="Oval"/>
+            <p:cNvPr id="193" name="Oval"/>
             <p:cNvSpPr/>
             <p:nvPr/>
           </p:nvSpPr>
           <p:spPr>
             <a:xfrm>
-              <a:off x="-1" y="-1"/>
-              <a:ext cx="1212305" cy="1676986"/>
+              <a:off x="-2" y="-2"/>
+              <a:ext cx="1212307" cy="1676989"/>
             </a:xfrm>
             <a:prstGeom prst="ellipse">
               <a:avLst/>
@@ -6427,14 +6405,14 @@
         </p:sp>
         <p:sp>
           <p:nvSpPr>
-            <p:cNvPr id="195" name="Empty"/>
+            <p:cNvPr id="194" name="Empty"/>
             <p:cNvSpPr txBox="1"/>
             <p:nvPr/>
           </p:nvSpPr>
           <p:spPr>
             <a:xfrm>
               <a:off x="177537" y="694079"/>
-              <a:ext cx="857228" cy="288823"/>
+              <a:ext cx="857229" cy="288820"/>
             </a:xfrm>
             <a:prstGeom prst="rect">
               <a:avLst/>
@@ -6475,14 +6453,14 @@
       </p:grpSp>
       <p:sp>
         <p:nvSpPr>
-          <p:cNvPr id="197" name="Oval 12"/>
+          <p:cNvPr id="196" name="Oval 12"/>
           <p:cNvSpPr/>
           <p:nvPr/>
         </p:nvSpPr>
         <p:spPr>
           <a:xfrm>
-            <a:off x="4641272" y="1136073"/>
-            <a:ext cx="2161313" cy="867460"/>
+            <a:off x="4641272" y="1136072"/>
+            <a:ext cx="2161315" cy="867462"/>
           </a:xfrm>
           <a:prstGeom prst="ellipse">
             <a:avLst/>
@@ -6514,14 +6492,14 @@
       </p:sp>
       <p:sp>
         <p:nvSpPr>
-          <p:cNvPr id="198" name="TextBox 13"/>
+          <p:cNvPr id="197" name="TextBox 13"/>
           <p:cNvSpPr txBox="1"/>
           <p:nvPr/>
         </p:nvSpPr>
         <p:spPr>
           <a:xfrm>
             <a:off x="6774580" y="669173"/>
-            <a:ext cx="2159691" cy="492023"/>
+            <a:ext cx="2159689" cy="492020"/>
           </a:xfrm>
           <a:prstGeom prst="rect">
             <a:avLst/>
@@ -6608,7 +6586,7 @@
                                       <p:cBhvr>
                                         <p:cTn id="6" fill="hold"/>
                                         <p:tgtEl>
-                                          <p:spTgt spid="192"/>
+                                          <p:spTgt spid="191"/>
                                         </p:tgtEl>
                                         <p:attrNameLst>
                                           <p:attrName>style.visibility</p:attrName>
@@ -6652,7 +6630,7 @@
                                       <p:cBhvr>
                                         <p:cTn id="10" fill="hold"/>
                                         <p:tgtEl>
-                                          <p:spTgt spid="196"/>
+                                          <p:spTgt spid="195"/>
                                         </p:tgtEl>
                                         <p:attrNameLst>
                                           <p:attrName>style.visibility</p:attrName>
@@ -6687,7 +6665,7 @@
                                       <p:cBhvr>
                                         <p:cTn id="13" fill="hold"/>
                                         <p:tgtEl>
-                                          <p:spTgt spid="193"/>
+                                          <p:spTgt spid="192"/>
                                         </p:tgtEl>
                                         <p:attrNameLst>
                                           <p:attrName>style.visibility</p:attrName>
@@ -6731,7 +6709,7 @@
                                       <p:cBhvr>
                                         <p:cTn id="17" fill="hold"/>
                                         <p:tgtEl>
-                                          <p:spTgt spid="197"/>
+                                          <p:spTgt spid="196"/>
                                         </p:tgtEl>
                                         <p:attrNameLst>
                                           <p:attrName>style.visibility</p:attrName>
@@ -6766,7 +6744,7 @@
                                       <p:cBhvr>
                                         <p:cTn id="20" fill="hold"/>
                                         <p:tgtEl>
-                                          <p:spTgt spid="198"/>
+                                          <p:spTgt spid="197"/>
                                         </p:tgtEl>
                                         <p:attrNameLst>
                                           <p:attrName>style.visibility</p:attrName>
@@ -6807,11 +6785,11 @@
       </p:par>
     </p:tnLst>
     <p:bldLst>
-      <p:bldP build="whole" bldLvl="1" animBg="1" rev="0" advAuto="0" spid="198" grpId="5"/>
-      <p:bldP build="whole" bldLvl="1" animBg="1" rev="0" advAuto="0" spid="193" grpId="3"/>
-      <p:bldP build="whole" bldLvl="1" animBg="1" rev="0" advAuto="0" spid="192" grpId="1"/>
-      <p:bldP build="whole" bldLvl="1" animBg="1" rev="0" advAuto="0" spid="196" grpId="2"/>
-      <p:bldP build="whole" bldLvl="1" animBg="1" rev="0" advAuto="0" spid="197" grpId="4"/>
+      <p:bldP build="whole" bldLvl="1" animBg="1" rev="0" advAuto="0" spid="192" grpId="3"/>
+      <p:bldP build="whole" bldLvl="1" animBg="1" rev="0" advAuto="0" spid="195" grpId="2"/>
+      <p:bldP build="whole" bldLvl="1" animBg="1" rev="0" advAuto="0" spid="196" grpId="4"/>
+      <p:bldP build="whole" bldLvl="1" animBg="1" rev="0" advAuto="0" spid="197" grpId="5"/>
+      <p:bldP build="whole" bldLvl="1" animBg="1" rev="0" advAuto="0" spid="191" grpId="1"/>
     </p:bldLst>
   </p:timing>
 </p:sld>
@@ -6836,7 +6814,7 @@
       </p:grpSpPr>
       <p:sp>
         <p:nvSpPr>
-          <p:cNvPr id="200" name="All pitcher performance metrics make sense"/>
+          <p:cNvPr id="199" name="All pitcher performance metrics make sense"/>
           <p:cNvSpPr txBox="1"/>
           <p:nvPr>
             <p:ph type="body" sz="quarter" idx="4294967295"/>
@@ -6844,8 +6822,8 @@
         </p:nvSpPr>
         <p:spPr>
           <a:xfrm>
-            <a:off x="1003387" y="1095670"/>
-            <a:ext cx="3927792" cy="613404"/>
+            <a:off x="1003386" y="1095670"/>
+            <a:ext cx="3927794" cy="613405"/>
           </a:xfrm>
           <a:prstGeom prst="rect">
             <a:avLst/>
@@ -6877,7 +6855,7 @@
       </p:sp>
       <p:sp>
         <p:nvSpPr>
-          <p:cNvPr id="201" name="Pitching Rate Stats – Salary vs. Strike Outs (SO)"/>
+          <p:cNvPr id="200" name="Pitching Rate Stats – Salary vs. Strike Outs (SO)"/>
           <p:cNvSpPr txBox="1"/>
           <p:nvPr>
             <p:ph type="title" idx="4294967295"/>
@@ -6886,7 +6864,7 @@
         <p:spPr>
           <a:xfrm>
             <a:off x="311699" y="140223"/>
-            <a:ext cx="8520602" cy="572704"/>
+            <a:ext cx="8520602" cy="572705"/>
           </a:xfrm>
           <a:prstGeom prst="rect">
             <a:avLst/>
@@ -6909,7 +6887,7 @@
       </p:sp>
       <p:pic>
         <p:nvPicPr>
-          <p:cNvPr id="202" name="Picture 3" descr="Picture 3"/>
+          <p:cNvPr id="201" name="Picture 3" descr="Picture 3"/>
           <p:cNvPicPr>
             <a:picLocks noChangeAspect="1"/>
           </p:cNvPicPr>
@@ -6926,7 +6904,7 @@
         <p:spPr>
           <a:xfrm>
             <a:off x="4866142" y="3016243"/>
-            <a:ext cx="4208339" cy="2076768"/>
+            <a:ext cx="4208339" cy="2076769"/>
           </a:xfrm>
           <a:prstGeom prst="rect">
             <a:avLst/>
@@ -6938,7 +6916,7 @@
       </p:pic>
       <p:pic>
         <p:nvPicPr>
-          <p:cNvPr id="203" name="Picture 4" descr="Picture 4"/>
+          <p:cNvPr id="202" name="Picture 4" descr="Picture 4"/>
           <p:cNvPicPr>
             <a:picLocks noChangeAspect="1"/>
           </p:cNvPicPr>
@@ -6955,7 +6933,7 @@
         <p:spPr>
           <a:xfrm>
             <a:off x="4962059" y="947475"/>
-            <a:ext cx="4112697" cy="2040515"/>
+            <a:ext cx="4112698" cy="2040516"/>
           </a:xfrm>
           <a:prstGeom prst="rect">
             <a:avLst/>
@@ -6967,14 +6945,14 @@
       </p:pic>
       <p:sp>
         <p:nvSpPr>
-          <p:cNvPr id="204" name="TextBox 6"/>
+          <p:cNvPr id="203" name="TextBox 6"/>
           <p:cNvSpPr txBox="1"/>
           <p:nvPr/>
         </p:nvSpPr>
         <p:spPr>
           <a:xfrm>
             <a:off x="7334942" y="3326312"/>
-            <a:ext cx="1052609" cy="288822"/>
+            <a:ext cx="1052606" cy="288820"/>
           </a:xfrm>
           <a:prstGeom prst="rect">
             <a:avLst/>
@@ -7011,14 +6989,14 @@
       </p:sp>
       <p:sp>
         <p:nvSpPr>
-          <p:cNvPr id="205" name="TextBox 7"/>
+          <p:cNvPr id="204" name="TextBox 7"/>
           <p:cNvSpPr txBox="1"/>
           <p:nvPr/>
         </p:nvSpPr>
         <p:spPr>
           <a:xfrm>
             <a:off x="7265213" y="1080229"/>
-            <a:ext cx="1282725" cy="288822"/>
+            <a:ext cx="1282726" cy="288820"/>
           </a:xfrm>
           <a:prstGeom prst="rect">
             <a:avLst/>
@@ -7055,7 +7033,7 @@
       </p:sp>
       <p:pic>
         <p:nvPicPr>
-          <p:cNvPr id="206" name="Picture 10" descr="Picture 10"/>
+          <p:cNvPr id="205" name="Picture 10" descr="Picture 10"/>
           <p:cNvPicPr>
             <a:picLocks noChangeAspect="1"/>
           </p:cNvPicPr>
@@ -7072,7 +7050,7 @@
         <p:spPr>
           <a:xfrm>
             <a:off x="311698" y="2091817"/>
-            <a:ext cx="4625370" cy="3001195"/>
+            <a:ext cx="4625371" cy="3001195"/>
           </a:xfrm>
           <a:prstGeom prst="rect">
             <a:avLst/>
@@ -7084,14 +7062,14 @@
       </p:pic>
       <p:sp>
         <p:nvSpPr>
-          <p:cNvPr id="207" name="TextBox 11"/>
+          <p:cNvPr id="206" name="TextBox 11"/>
           <p:cNvSpPr txBox="1"/>
           <p:nvPr/>
         </p:nvSpPr>
         <p:spPr>
           <a:xfrm>
-            <a:off x="1043042" y="2166214"/>
-            <a:ext cx="3255749" cy="288822"/>
+            <a:off x="1043041" y="2166214"/>
+            <a:ext cx="3255747" cy="288820"/>
           </a:xfrm>
           <a:prstGeom prst="rect">
             <a:avLst/>
@@ -7128,14 +7106,14 @@
       </p:sp>
       <p:sp>
         <p:nvSpPr>
-          <p:cNvPr id="208" name="TextBox 13"/>
+          <p:cNvPr id="207" name="TextBox 13"/>
           <p:cNvSpPr txBox="1"/>
           <p:nvPr/>
         </p:nvSpPr>
         <p:spPr>
           <a:xfrm>
             <a:off x="7549577" y="1315616"/>
-            <a:ext cx="1282725" cy="366685"/>
+            <a:ext cx="1282726" cy="366682"/>
           </a:xfrm>
           <a:prstGeom prst="rect">
             <a:avLst/>
@@ -7182,14 +7160,14 @@
       </p:sp>
       <p:sp>
         <p:nvSpPr>
-          <p:cNvPr id="209" name="TextBox 14"/>
+          <p:cNvPr id="208" name="TextBox 14"/>
           <p:cNvSpPr txBox="1"/>
           <p:nvPr/>
         </p:nvSpPr>
         <p:spPr>
           <a:xfrm>
             <a:off x="7493619" y="3584826"/>
-            <a:ext cx="1282725" cy="366684"/>
+            <a:ext cx="1282726" cy="366682"/>
           </a:xfrm>
           <a:prstGeom prst="rect">
             <a:avLst/>
@@ -7252,7 +7230,7 @@
       </p:grpSpPr>
       <p:sp>
         <p:nvSpPr>
-          <p:cNvPr id="211" name="Pitching Stats - Histograms"/>
+          <p:cNvPr id="210" name="Pitching Stats - Histograms"/>
           <p:cNvSpPr txBox="1"/>
           <p:nvPr>
             <p:ph type="title" idx="4294967295"/>
@@ -7261,7 +7239,7 @@
         <p:spPr>
           <a:xfrm>
             <a:off x="311699" y="140223"/>
-            <a:ext cx="8520602" cy="572704"/>
+            <a:ext cx="8520602" cy="572705"/>
           </a:xfrm>
           <a:prstGeom prst="rect">
             <a:avLst/>
@@ -7284,7 +7262,7 @@
       </p:sp>
       <p:sp>
         <p:nvSpPr>
-          <p:cNvPr id="212" name="Most free agent pitchers win more than bell curve similar to ERA…"/>
+          <p:cNvPr id="211" name="Most free agent pitchers win more than bell curve similar to ERA…"/>
           <p:cNvSpPr txBox="1"/>
           <p:nvPr>
             <p:ph type="body" sz="quarter" idx="4294967295"/>
@@ -7293,7 +7271,7 @@
         <p:spPr>
           <a:xfrm>
             <a:off x="311699" y="4563738"/>
-            <a:ext cx="8520602" cy="357672"/>
+            <a:ext cx="8520602" cy="357673"/>
           </a:xfrm>
           <a:prstGeom prst="rect">
             <a:avLst/>
@@ -7303,7 +7281,7 @@
           <a:bodyPr/>
           <a:lstStyle/>
           <a:p>
-            <a:pPr marL="219454" indent="-164592" algn="l" defTabSz="438911">
+            <a:pPr marL="219453" indent="-164592" algn="l" defTabSz="438911">
               <a:lnSpc>
                 <a:spcPct val="115000"/>
               </a:lnSpc>
@@ -7320,7 +7298,7 @@
             </a:r>
           </a:p>
           <a:p>
-            <a:pPr marL="219454" indent="-164592" algn="l" defTabSz="438911">
+            <a:pPr marL="219453" indent="-164592" algn="l" defTabSz="438911">
               <a:lnSpc>
                 <a:spcPct val="115000"/>
               </a:lnSpc>
@@ -7340,7 +7318,7 @@
       </p:sp>
       <p:pic>
         <p:nvPicPr>
-          <p:cNvPr id="213" name="Picture 3" descr="Picture 3"/>
+          <p:cNvPr id="212" name="Picture 3" descr="Picture 3"/>
           <p:cNvPicPr>
             <a:picLocks noChangeAspect="1"/>
           </p:cNvPicPr>
@@ -7357,7 +7335,7 @@
         <p:spPr>
           <a:xfrm>
             <a:off x="311698" y="747559"/>
-            <a:ext cx="3761539" cy="1983827"/>
+            <a:ext cx="3761540" cy="1983827"/>
           </a:xfrm>
           <a:prstGeom prst="rect">
             <a:avLst/>
@@ -7369,7 +7347,7 @@
       </p:pic>
       <p:pic>
         <p:nvPicPr>
-          <p:cNvPr id="214" name="Picture 4" descr="Picture 4"/>
+          <p:cNvPr id="213" name="Picture 4" descr="Picture 4"/>
           <p:cNvPicPr>
             <a:picLocks noChangeAspect="1"/>
           </p:cNvPicPr>
@@ -7386,7 +7364,7 @@
         <p:spPr>
           <a:xfrm>
             <a:off x="4754536" y="712924"/>
-            <a:ext cx="3842208" cy="2051479"/>
+            <a:ext cx="3842209" cy="2051480"/>
           </a:xfrm>
           <a:prstGeom prst="rect">
             <a:avLst/>
@@ -7398,14 +7376,14 @@
       </p:pic>
       <p:sp>
         <p:nvSpPr>
-          <p:cNvPr id="215" name="TextBox 5"/>
+          <p:cNvPr id="214" name="TextBox 5"/>
           <p:cNvSpPr txBox="1"/>
           <p:nvPr/>
         </p:nvSpPr>
         <p:spPr>
           <a:xfrm>
             <a:off x="1424199" y="995649"/>
-            <a:ext cx="1533831" cy="288822"/>
+            <a:ext cx="1533829" cy="288820"/>
           </a:xfrm>
           <a:prstGeom prst="rect">
             <a:avLst/>
@@ -7442,14 +7420,14 @@
       </p:sp>
       <p:sp>
         <p:nvSpPr>
-          <p:cNvPr id="216" name="TextBox 6"/>
+          <p:cNvPr id="215" name="TextBox 6"/>
           <p:cNvSpPr txBox="1"/>
           <p:nvPr/>
         </p:nvSpPr>
         <p:spPr>
           <a:xfrm>
             <a:off x="6653641" y="1084184"/>
-            <a:ext cx="1863213" cy="695222"/>
+            <a:ext cx="1863211" cy="695220"/>
           </a:xfrm>
           <a:prstGeom prst="rect">
             <a:avLst/>
@@ -7508,7 +7486,7 @@
       </p:sp>
       <p:pic>
         <p:nvPicPr>
-          <p:cNvPr id="217" name="Picture 7" descr="Picture 7"/>
+          <p:cNvPr id="216" name="Picture 7" descr="Picture 7"/>
           <p:cNvPicPr>
             <a:picLocks noChangeAspect="1"/>
           </p:cNvPicPr>
@@ -7537,14 +7515,14 @@
       </p:pic>
       <p:sp>
         <p:nvSpPr>
-          <p:cNvPr id="218" name="TextBox 8"/>
+          <p:cNvPr id="217" name="TextBox 8"/>
           <p:cNvSpPr txBox="1"/>
           <p:nvPr/>
         </p:nvSpPr>
         <p:spPr>
           <a:xfrm>
             <a:off x="2592147" y="3057861"/>
-            <a:ext cx="1306459" cy="288822"/>
+            <a:ext cx="1306457" cy="288820"/>
           </a:xfrm>
           <a:prstGeom prst="rect">
             <a:avLst/>
@@ -7581,7 +7559,7 @@
       </p:sp>
       <p:pic>
         <p:nvPicPr>
-          <p:cNvPr id="219" name="Picture 9" descr="Picture 9"/>
+          <p:cNvPr id="218" name="Picture 9" descr="Picture 9"/>
           <p:cNvPicPr>
             <a:picLocks noChangeAspect="1"/>
           </p:cNvPicPr>
@@ -7597,8 +7575,8 @@
         </p:blipFill>
         <p:spPr>
           <a:xfrm>
-            <a:off x="4710541" y="2649186"/>
-            <a:ext cx="3886203" cy="1990774"/>
+            <a:off x="4710541" y="2649185"/>
+            <a:ext cx="3886204" cy="1990775"/>
           </a:xfrm>
           <a:prstGeom prst="rect">
             <a:avLst/>
@@ -7610,14 +7588,14 @@
       </p:pic>
       <p:sp>
         <p:nvSpPr>
-          <p:cNvPr id="220" name="TextBox 10"/>
+          <p:cNvPr id="219" name="TextBox 10"/>
           <p:cNvSpPr txBox="1"/>
           <p:nvPr/>
         </p:nvSpPr>
         <p:spPr>
           <a:xfrm>
             <a:off x="7198565" y="3272408"/>
-            <a:ext cx="1267131" cy="288822"/>
+            <a:ext cx="1267129" cy="288820"/>
           </a:xfrm>
           <a:prstGeom prst="rect">
             <a:avLst/>
@@ -7654,14 +7632,14 @@
       </p:sp>
       <p:sp>
         <p:nvSpPr>
-          <p:cNvPr id="221" name="Straight Arrow Connector 12"/>
+          <p:cNvPr id="220" name="Straight Arrow Connector 12"/>
           <p:cNvSpPr/>
           <p:nvPr/>
         </p:nvSpPr>
         <p:spPr>
           <a:xfrm>
             <a:off x="3301636" y="1970150"/>
-            <a:ext cx="2" cy="385124"/>
+            <a:ext cx="3" cy="385125"/>
           </a:xfrm>
           <a:prstGeom prst="line">
             <a:avLst/>
@@ -7683,14 +7661,14 @@
       </p:sp>
       <p:sp>
         <p:nvSpPr>
-          <p:cNvPr id="222" name="TextBox 13"/>
+          <p:cNvPr id="221" name="TextBox 13"/>
           <p:cNvSpPr txBox="1"/>
           <p:nvPr/>
         </p:nvSpPr>
         <p:spPr>
           <a:xfrm>
-            <a:off x="2549058" y="1663030"/>
-            <a:ext cx="1458041" cy="288822"/>
+            <a:off x="2549057" y="1663030"/>
+            <a:ext cx="1458039" cy="288820"/>
           </a:xfrm>
           <a:prstGeom prst="rect">
             <a:avLst/>
@@ -7753,7 +7731,7 @@
       </p:grpSpPr>
       <p:sp>
         <p:nvSpPr>
-          <p:cNvPr id="224" name="Shape 156"/>
+          <p:cNvPr id="223" name="Shape 156"/>
           <p:cNvSpPr txBox="1"/>
           <p:nvPr>
             <p:ph type="title" idx="4294967295"/>
@@ -7762,7 +7740,7 @@
         <p:spPr>
           <a:xfrm>
             <a:off x="311699" y="140223"/>
-            <a:ext cx="8520602" cy="572704"/>
+            <a:ext cx="8520602" cy="572705"/>
           </a:xfrm>
           <a:prstGeom prst="rect">
             <a:avLst/>
@@ -7785,7 +7763,7 @@
       </p:sp>
       <p:sp>
         <p:nvSpPr>
-          <p:cNvPr id="225" name="Shape 157"/>
+          <p:cNvPr id="224" name="Shape 157"/>
           <p:cNvSpPr txBox="1"/>
           <p:nvPr>
             <p:ph type="body" idx="4294967295"/>
@@ -7804,7 +7782,7 @@
           <a:bodyPr/>
           <a:lstStyle/>
           <a:p>
-            <a:pPr marL="443483" indent="-332613" algn="l" defTabSz="886967">
+            <a:pPr marL="443483" indent="-332613" algn="l" defTabSz="886966">
               <a:lnSpc>
                 <a:spcPct val="115000"/>
               </a:lnSpc>
@@ -7826,7 +7804,7 @@
             </a:r>
           </a:p>
           <a:p>
-            <a:pPr marL="443483" indent="-332613" algn="l" defTabSz="886967">
+            <a:pPr marL="443483" indent="-332613" algn="l" defTabSz="886966">
               <a:lnSpc>
                 <a:spcPct val="115000"/>
               </a:lnSpc>
@@ -7848,7 +7826,7 @@
             </a:r>
           </a:p>
           <a:p>
-            <a:pPr lvl="1" marL="886967" indent="-332613" algn="l" defTabSz="886967">
+            <a:pPr lvl="1" marL="886966" indent="-332613" algn="l" defTabSz="886966">
               <a:lnSpc>
                 <a:spcPct val="115000"/>
               </a:lnSpc>
@@ -7870,7 +7848,7 @@
             </a:r>
           </a:p>
           <a:p>
-            <a:pPr lvl="1" marL="886967" indent="-332613" algn="l" defTabSz="886967">
+            <a:pPr lvl="1" marL="886966" indent="-332613" algn="l" defTabSz="886966">
               <a:lnSpc>
                 <a:spcPct val="115000"/>
               </a:lnSpc>
@@ -7892,7 +7870,7 @@
             </a:r>
           </a:p>
           <a:p>
-            <a:pPr marL="443483" indent="-332613" algn="l" defTabSz="886967">
+            <a:pPr marL="443483" indent="-332613" algn="l" defTabSz="886966">
               <a:lnSpc>
                 <a:spcPct val="115000"/>
               </a:lnSpc>
@@ -7914,7 +7892,7 @@
             </a:r>
           </a:p>
           <a:p>
-            <a:pPr marL="443483" indent="-332613" algn="l" defTabSz="886967">
+            <a:pPr marL="443483" indent="-332613" algn="l" defTabSz="886966">
               <a:lnSpc>
                 <a:spcPct val="115000"/>
               </a:lnSpc>
@@ -7965,7 +7943,7 @@
       </p:grpSpPr>
       <p:sp>
         <p:nvSpPr>
-          <p:cNvPr id="229" name="Shape 162"/>
+          <p:cNvPr id="228" name="Shape 162"/>
           <p:cNvSpPr txBox="1"/>
           <p:nvPr>
             <p:ph type="title" idx="4294967295"/>
@@ -7974,7 +7952,7 @@
         <p:spPr>
           <a:xfrm>
             <a:off x="311699" y="140223"/>
-            <a:ext cx="8520602" cy="572704"/>
+            <a:ext cx="8520602" cy="572705"/>
           </a:xfrm>
           <a:prstGeom prst="rect">
             <a:avLst/>
@@ -7997,7 +7975,7 @@
       </p:sp>
       <p:pic>
         <p:nvPicPr>
-          <p:cNvPr id="230" name="Shape 163" descr="Shape 163"/>
+          <p:cNvPr id="229" name="Shape 163" descr="Shape 163"/>
           <p:cNvPicPr>
             <a:picLocks noChangeAspect="1"/>
           </p:cNvPicPr>
@@ -8014,7 +7992,7 @@
         <p:spPr>
           <a:xfrm>
             <a:off x="311698" y="955899"/>
-            <a:ext cx="4176828" cy="1873439"/>
+            <a:ext cx="4176829" cy="1873439"/>
           </a:xfrm>
           <a:prstGeom prst="rect">
             <a:avLst/>
@@ -8026,7 +8004,7 @@
       </p:pic>
       <p:pic>
         <p:nvPicPr>
-          <p:cNvPr id="231" name="Shape 164" descr="Shape 164"/>
+          <p:cNvPr id="230" name="Shape 164" descr="Shape 164"/>
           <p:cNvPicPr>
             <a:picLocks noChangeAspect="1"/>
           </p:cNvPicPr>
@@ -8055,7 +8033,7 @@
       </p:pic>
       <p:pic>
         <p:nvPicPr>
-          <p:cNvPr id="232" name="Shape 165" descr="Shape 165"/>
+          <p:cNvPr id="231" name="Shape 165" descr="Shape 165"/>
           <p:cNvPicPr>
             <a:picLocks noChangeAspect="1"/>
           </p:cNvPicPr>
@@ -8072,7 +8050,7 @@
         <p:spPr>
           <a:xfrm>
             <a:off x="311698" y="2829280"/>
-            <a:ext cx="4176829" cy="1944020"/>
+            <a:ext cx="4176830" cy="1944020"/>
           </a:xfrm>
           <a:prstGeom prst="rect">
             <a:avLst/>
@@ -8084,7 +8062,7 @@
       </p:pic>
       <p:pic>
         <p:nvPicPr>
-          <p:cNvPr id="233" name="Shape 166" descr="Shape 166"/>
+          <p:cNvPr id="232" name="Shape 166" descr="Shape 166"/>
           <p:cNvPicPr>
             <a:picLocks noChangeAspect="1"/>
           </p:cNvPicPr>
@@ -8139,7 +8117,7 @@
       </p:grpSpPr>
       <p:sp>
         <p:nvSpPr>
-          <p:cNvPr id="237" name="Shape 171"/>
+          <p:cNvPr id="236" name="Shape 171"/>
           <p:cNvSpPr txBox="1"/>
           <p:nvPr>
             <p:ph type="title" idx="4294967295"/>
@@ -8148,7 +8126,7 @@
         <p:spPr>
           <a:xfrm>
             <a:off x="311699" y="140223"/>
-            <a:ext cx="8520602" cy="572704"/>
+            <a:ext cx="8520602" cy="572705"/>
           </a:xfrm>
           <a:prstGeom prst="rect">
             <a:avLst/>
@@ -8171,7 +8149,7 @@
       </p:sp>
       <p:pic>
         <p:nvPicPr>
-          <p:cNvPr id="238" name="Shape 172" descr="Shape 172"/>
+          <p:cNvPr id="237" name="Shape 172" descr="Shape 172"/>
           <p:cNvPicPr>
             <a:picLocks noChangeAspect="1"/>
           </p:cNvPicPr>
@@ -8200,7 +8178,7 @@
       </p:pic>
       <p:pic>
         <p:nvPicPr>
-          <p:cNvPr id="239" name="Shape 173" descr="Shape 173"/>
+          <p:cNvPr id="238" name="Shape 173" descr="Shape 173"/>
           <p:cNvPicPr>
             <a:picLocks noChangeAspect="1"/>
           </p:cNvPicPr>
@@ -8229,7 +8207,7 @@
       </p:pic>
       <p:pic>
         <p:nvPicPr>
-          <p:cNvPr id="240" name="Shape 174" descr="Shape 174"/>
+          <p:cNvPr id="239" name="Shape 174" descr="Shape 174"/>
           <p:cNvPicPr>
             <a:picLocks noChangeAspect="1"/>
           </p:cNvPicPr>
@@ -8258,7 +8236,7 @@
       </p:pic>
       <p:pic>
         <p:nvPicPr>
-          <p:cNvPr id="241" name="Shape 175" descr="Shape 175"/>
+          <p:cNvPr id="240" name="Shape 175" descr="Shape 175"/>
           <p:cNvPicPr>
             <a:picLocks noChangeAspect="1"/>
           </p:cNvPicPr>
@@ -8322,7 +8300,7 @@
         <p:spPr>
           <a:xfrm>
             <a:off x="1457898" y="287023"/>
-            <a:ext cx="6296404" cy="4722304"/>
+            <a:ext cx="6296405" cy="4722305"/>
           </a:xfrm>
           <a:prstGeom prst="rect">
             <a:avLst/>
@@ -8379,7 +8357,7 @@
       </p:grpSpPr>
       <p:sp>
         <p:nvSpPr>
-          <p:cNvPr id="245" name="Shape 180"/>
+          <p:cNvPr id="244" name="Shape 180"/>
           <p:cNvSpPr txBox="1"/>
           <p:nvPr>
             <p:ph type="title" idx="4294967295"/>
@@ -8388,7 +8366,7 @@
         <p:spPr>
           <a:xfrm>
             <a:off x="311699" y="140223"/>
-            <a:ext cx="8520602" cy="572704"/>
+            <a:ext cx="8520602" cy="572705"/>
           </a:xfrm>
           <a:prstGeom prst="rect">
             <a:avLst/>
@@ -8411,7 +8389,7 @@
       </p:sp>
       <p:sp>
         <p:nvSpPr>
-          <p:cNvPr id="246" name="Shape 181"/>
+          <p:cNvPr id="245" name="Shape 181"/>
           <p:cNvSpPr txBox="1"/>
           <p:nvPr>
             <p:ph type="body" idx="4294967295"/>
@@ -8579,7 +8557,7 @@
       </p:grpSpPr>
       <p:sp>
         <p:nvSpPr>
-          <p:cNvPr id="250" name="Shape 186"/>
+          <p:cNvPr id="249" name="Shape 186"/>
           <p:cNvSpPr txBox="1"/>
           <p:nvPr>
             <p:ph type="title" idx="4294967295"/>
@@ -8588,7 +8566,7 @@
         <p:spPr>
           <a:xfrm>
             <a:off x="311699" y="140223"/>
-            <a:ext cx="8520602" cy="572704"/>
+            <a:ext cx="8520602" cy="572705"/>
           </a:xfrm>
           <a:prstGeom prst="rect">
             <a:avLst/>
@@ -8611,7 +8589,7 @@
       </p:sp>
       <p:pic>
         <p:nvPicPr>
-          <p:cNvPr id="251" name="Shape 187" descr="Shape 187"/>
+          <p:cNvPr id="250" name="Shape 187" descr="Shape 187"/>
           <p:cNvPicPr>
             <a:picLocks noChangeAspect="1"/>
           </p:cNvPicPr>
@@ -8640,7 +8618,7 @@
       </p:pic>
       <p:pic>
         <p:nvPicPr>
-          <p:cNvPr id="252" name="Shape 188" descr="Shape 188"/>
+          <p:cNvPr id="251" name="Shape 188" descr="Shape 188"/>
           <p:cNvPicPr>
             <a:picLocks noChangeAspect="1"/>
           </p:cNvPicPr>
@@ -8695,7 +8673,7 @@
       </p:grpSpPr>
       <p:sp>
         <p:nvSpPr>
-          <p:cNvPr id="256" name="Shape 193"/>
+          <p:cNvPr id="255" name="Shape 193"/>
           <p:cNvSpPr txBox="1"/>
           <p:nvPr>
             <p:ph type="title" idx="4294967295"/>
@@ -8704,7 +8682,7 @@
         <p:spPr>
           <a:xfrm>
             <a:off x="311699" y="140223"/>
-            <a:ext cx="8520602" cy="572704"/>
+            <a:ext cx="8520602" cy="572705"/>
           </a:xfrm>
           <a:prstGeom prst="rect">
             <a:avLst/>
@@ -8727,7 +8705,7 @@
       </p:sp>
       <p:pic>
         <p:nvPicPr>
-          <p:cNvPr id="257" name="Shape 194" descr="Shape 194"/>
+          <p:cNvPr id="256" name="Shape 194" descr="Shape 194"/>
           <p:cNvPicPr>
             <a:picLocks noChangeAspect="1"/>
           </p:cNvPicPr>
@@ -8744,7 +8722,7 @@
         <p:spPr>
           <a:xfrm>
             <a:off x="715374" y="712924"/>
-            <a:ext cx="7135602" cy="2185977"/>
+            <a:ext cx="7135602" cy="2185978"/>
           </a:xfrm>
           <a:prstGeom prst="rect">
             <a:avLst/>
@@ -8756,7 +8734,7 @@
       </p:pic>
       <p:pic>
         <p:nvPicPr>
-          <p:cNvPr id="258" name="Shape 195" descr="Shape 195"/>
+          <p:cNvPr id="257" name="Shape 195" descr="Shape 195"/>
           <p:cNvPicPr>
             <a:picLocks noChangeAspect="1"/>
           </p:cNvPicPr>
@@ -8773,7 +8751,7 @@
         <p:spPr>
           <a:xfrm>
             <a:off x="715374" y="2898899"/>
-            <a:ext cx="7135602" cy="2185977"/>
+            <a:ext cx="7135602" cy="2185978"/>
           </a:xfrm>
           <a:prstGeom prst="rect">
             <a:avLst/>
@@ -8811,7 +8789,7 @@
       </p:grpSpPr>
       <p:sp>
         <p:nvSpPr>
-          <p:cNvPr id="262" name="Shape 200"/>
+          <p:cNvPr id="261" name="Shape 200"/>
           <p:cNvSpPr txBox="1"/>
           <p:nvPr>
             <p:ph type="title" idx="4294967295"/>
@@ -8820,7 +8798,7 @@
         <p:spPr>
           <a:xfrm>
             <a:off x="311699" y="140223"/>
-            <a:ext cx="8520602" cy="572704"/>
+            <a:ext cx="8520602" cy="572705"/>
           </a:xfrm>
           <a:prstGeom prst="rect">
             <a:avLst/>
@@ -8843,7 +8821,7 @@
       </p:sp>
       <p:pic>
         <p:nvPicPr>
-          <p:cNvPr id="263" name="Shape 201" descr="Shape 201"/>
+          <p:cNvPr id="262" name="Shape 201" descr="Shape 201"/>
           <p:cNvPicPr>
             <a:picLocks noChangeAspect="1"/>
           </p:cNvPicPr>
@@ -8860,7 +8838,7 @@
         <p:spPr>
           <a:xfrm>
             <a:off x="760651" y="712924"/>
-            <a:ext cx="7056974" cy="2163727"/>
+            <a:ext cx="7056974" cy="2163728"/>
           </a:xfrm>
           <a:prstGeom prst="rect">
             <a:avLst/>
@@ -8872,7 +8850,7 @@
       </p:pic>
       <p:pic>
         <p:nvPicPr>
-          <p:cNvPr id="264" name="Shape 202" descr="Shape 202"/>
+          <p:cNvPr id="263" name="Shape 202" descr="Shape 202"/>
           <p:cNvPicPr>
             <a:picLocks noChangeAspect="1"/>
           </p:cNvPicPr>
@@ -8889,7 +8867,7 @@
         <p:spPr>
           <a:xfrm>
             <a:off x="760676" y="2876649"/>
-            <a:ext cx="7056923" cy="2163727"/>
+            <a:ext cx="7056923" cy="2163728"/>
           </a:xfrm>
           <a:prstGeom prst="rect">
             <a:avLst/>
@@ -8927,7 +8905,7 @@
       </p:grpSpPr>
       <p:sp>
         <p:nvSpPr>
-          <p:cNvPr id="266" name="Shape 207"/>
+          <p:cNvPr id="265" name="Shape 207"/>
           <p:cNvSpPr txBox="1"/>
           <p:nvPr>
             <p:ph type="title" idx="4294967295"/>
@@ -8936,7 +8914,7 @@
         <p:spPr>
           <a:xfrm>
             <a:off x="311699" y="140223"/>
-            <a:ext cx="8520602" cy="572704"/>
+            <a:ext cx="8520602" cy="572705"/>
           </a:xfrm>
           <a:prstGeom prst="rect">
             <a:avLst/>
@@ -8959,7 +8937,7 @@
       </p:sp>
       <p:sp>
         <p:nvSpPr>
-          <p:cNvPr id="267" name="Shape 208"/>
+          <p:cNvPr id="266" name="Shape 208"/>
           <p:cNvSpPr txBox="1"/>
           <p:nvPr>
             <p:ph type="body" idx="4294967295"/>
@@ -8968,7 +8946,7 @@
         <p:spPr>
           <a:xfrm>
             <a:off x="1104775" y="1152474"/>
-            <a:ext cx="7727399" cy="2850003"/>
+            <a:ext cx="7727399" cy="2850004"/>
           </a:xfrm>
           <a:prstGeom prst="rect">
             <a:avLst/>
@@ -9075,7 +9053,7 @@
       </p:grpSpPr>
       <p:sp>
         <p:nvSpPr>
-          <p:cNvPr id="269" name="Shape 213"/>
+          <p:cNvPr id="268" name="Shape 213"/>
           <p:cNvSpPr txBox="1"/>
           <p:nvPr>
             <p:ph type="title" idx="4294967295"/>
@@ -9084,7 +9062,7 @@
         <p:spPr>
           <a:xfrm>
             <a:off x="311699" y="140223"/>
-            <a:ext cx="8520602" cy="572704"/>
+            <a:ext cx="8520602" cy="572705"/>
           </a:xfrm>
           <a:prstGeom prst="rect">
             <a:avLst/>
@@ -9109,7 +9087,7 @@
       </p:sp>
       <p:sp>
         <p:nvSpPr>
-          <p:cNvPr id="270" name="Shape 214"/>
+          <p:cNvPr id="269" name="Shape 214"/>
           <p:cNvSpPr txBox="1"/>
           <p:nvPr>
             <p:ph type="body" idx="4294967295"/>
@@ -9128,14 +9106,10 @@
           <a:bodyPr/>
           <a:lstStyle/>
           <a:p>
-            <a:pPr marL="0" indent="0" algn="l" defTabSz="822958">
+            <a:pPr marL="0" algn="l" defTabSz="822958">
               <a:lnSpc>
                 <a:spcPct val="115000"/>
               </a:lnSpc>
-              <a:buClr>
-                <a:srgbClr val="666666"/>
-              </a:buClr>
-              <a:buFont typeface="Helvetica"/>
               <a:defRPr sz="1600"/>
             </a:pPr>
             <a:r>
@@ -9143,17 +9117,13 @@
             </a:r>
           </a:p>
           <a:p>
-            <a:pPr marL="0" indent="0" algn="l" defTabSz="822958">
+            <a:pPr marL="0" algn="l" defTabSz="822958">
               <a:lnSpc>
                 <a:spcPct val="115000"/>
               </a:lnSpc>
               <a:spcBef>
                 <a:spcPts val="1400"/>
               </a:spcBef>
-              <a:buClr>
-                <a:srgbClr val="666666"/>
-              </a:buClr>
-              <a:buFont typeface="Helvetica"/>
               <a:defRPr sz="1600"/>
             </a:pPr>
             <a:r>
@@ -9161,17 +9131,13 @@
             </a:r>
           </a:p>
           <a:p>
-            <a:pPr marL="0" indent="0" algn="l" defTabSz="822958">
+            <a:pPr marL="0" algn="l" defTabSz="822958">
               <a:lnSpc>
                 <a:spcPct val="115000"/>
               </a:lnSpc>
               <a:spcBef>
                 <a:spcPts val="1400"/>
               </a:spcBef>
-              <a:buClr>
-                <a:srgbClr val="666666"/>
-              </a:buClr>
-              <a:buFont typeface="Helvetica"/>
               <a:defRPr sz="1600"/>
             </a:pPr>
             <a:r>
@@ -9512,8 +9478,8 @@
         </p:nvSpPr>
         <p:spPr>
           <a:xfrm>
-            <a:off x="1150225" y="939674"/>
-            <a:ext cx="7321199" cy="3778203"/>
+            <a:off x="1150225" y="939673"/>
+            <a:ext cx="7321199" cy="3778205"/>
           </a:xfrm>
           <a:prstGeom prst="rect">
             <a:avLst/>
@@ -9775,7 +9741,7 @@
         <p:spPr>
           <a:xfrm>
             <a:off x="311699" y="140223"/>
-            <a:ext cx="8520602" cy="572704"/>
+            <a:ext cx="8520602" cy="572705"/>
           </a:xfrm>
           <a:prstGeom prst="rect">
             <a:avLst/>
@@ -9862,7 +9828,7 @@
         <p:spPr>
           <a:xfrm>
             <a:off x="1866150" y="2513325"/>
-            <a:ext cx="6472200" cy="1539002"/>
+            <a:ext cx="6472200" cy="1539003"/>
           </a:xfrm>
           <a:prstGeom prst="rect">
             <a:avLst/>
@@ -9920,7 +9886,7 @@
         <p:spPr>
           <a:xfrm>
             <a:off x="311699" y="140223"/>
-            <a:ext cx="8520602" cy="572704"/>
+            <a:ext cx="8520602" cy="572705"/>
           </a:xfrm>
           <a:prstGeom prst="rect">
             <a:avLst/>
@@ -9935,7 +9901,7 @@
           </a:extLst>
         </p:spPr>
         <p:txBody>
-          <a:bodyPr lIns="91423" tIns="91423" rIns="91423" bIns="91423">
+          <a:bodyPr lIns="91422" tIns="91422" rIns="91422" bIns="91422">
             <a:normAutofit fontScale="100000" lnSpcReduction="0"/>
           </a:bodyPr>
           <a:lstStyle>
@@ -9987,32 +9953,7 @@
       </p:grpSpPr>
       <p:sp>
         <p:nvSpPr>
-          <p:cNvPr id="148" name="Shape 100"/>
-          <p:cNvSpPr txBox="1"/>
-          <p:nvPr>
-            <p:ph type="title"/>
-          </p:nvPr>
-        </p:nvSpPr>
-        <p:spPr>
-          <a:xfrm>
-            <a:off x="1866150" y="902775"/>
-            <a:ext cx="6472200" cy="1006202"/>
-          </a:xfrm>
-          <a:prstGeom prst="rect">
-            <a:avLst/>
-          </a:prstGeom>
-        </p:spPr>
-        <p:txBody>
-          <a:bodyPr/>
-          <a:lstStyle/>
-          <a:p>
-            <a:pPr/>
-          </a:p>
-        </p:txBody>
-      </p:sp>
-      <p:sp>
-        <p:nvSpPr>
-          <p:cNvPr id="149" name="Shape 101"/>
+          <p:cNvPr id="148" name="Shape 101"/>
           <p:cNvSpPr txBox="1"/>
           <p:nvPr>
             <p:ph type="body" sz="half" idx="1"/>
@@ -10021,7 +9962,7 @@
         <p:spPr>
           <a:xfrm>
             <a:off x="1866150" y="2513325"/>
-            <a:ext cx="6472200" cy="1539002"/>
+            <a:ext cx="6472200" cy="1539003"/>
           </a:xfrm>
           <a:prstGeom prst="rect">
             <a:avLst/>
@@ -10043,14 +9984,14 @@
       </p:sp>
       <p:sp>
         <p:nvSpPr>
-          <p:cNvPr id="150" name="Shape 102"/>
+          <p:cNvPr id="149" name="Shape 102"/>
           <p:cNvSpPr txBox="1"/>
           <p:nvPr/>
         </p:nvSpPr>
         <p:spPr>
           <a:xfrm>
             <a:off x="311699" y="140223"/>
-            <a:ext cx="8520602" cy="572704"/>
+            <a:ext cx="8520602" cy="572705"/>
           </a:xfrm>
           <a:prstGeom prst="rect">
             <a:avLst/>
@@ -10065,7 +10006,7 @@
           </a:extLst>
         </p:spPr>
         <p:txBody>
-          <a:bodyPr lIns="91423" tIns="91423" rIns="91423" bIns="91423">
+          <a:bodyPr lIns="91422" tIns="91422" rIns="91422" bIns="91422">
             <a:normAutofit fontScale="100000" lnSpcReduction="0"/>
           </a:bodyPr>
           <a:lstStyle>
@@ -10091,7 +10032,7 @@
       </p:sp>
       <p:pic>
         <p:nvPicPr>
-          <p:cNvPr id="151" name="Shape 103" descr="Shape 103"/>
+          <p:cNvPr id="150" name="Shape 103" descr="Shape 103"/>
           <p:cNvPicPr>
             <a:picLocks noChangeAspect="1"/>
           </p:cNvPicPr>
@@ -10146,7 +10087,7 @@
       </p:grpSpPr>
       <p:pic>
         <p:nvPicPr>
-          <p:cNvPr id="155" name="Shape 108" descr="Shape 108"/>
+          <p:cNvPr id="154" name="Shape 108" descr="Shape 108"/>
           <p:cNvPicPr>
             <a:picLocks noChangeAspect="1"/>
           </p:cNvPicPr>
@@ -10163,7 +10104,7 @@
         <p:spPr>
           <a:xfrm>
             <a:off x="814998" y="875975"/>
-            <a:ext cx="7521326" cy="2052222"/>
+            <a:ext cx="7521327" cy="2052223"/>
           </a:xfrm>
           <a:prstGeom prst="rect">
             <a:avLst/>
@@ -10175,7 +10116,7 @@
       </p:pic>
       <p:pic>
         <p:nvPicPr>
-          <p:cNvPr id="156" name="Shape 109" descr="Shape 109"/>
+          <p:cNvPr id="155" name="Shape 109" descr="Shape 109"/>
           <p:cNvPicPr>
             <a:picLocks noChangeAspect="1"/>
           </p:cNvPicPr>
@@ -10204,7 +10145,7 @@
       </p:pic>
       <p:sp>
         <p:nvSpPr>
-          <p:cNvPr id="157" name="Shape 110"/>
+          <p:cNvPr id="156" name="Shape 110"/>
           <p:cNvSpPr txBox="1"/>
           <p:nvPr>
             <p:ph type="title" idx="4294967295"/>
@@ -10213,7 +10154,7 @@
         <p:spPr>
           <a:xfrm>
             <a:off x="311699" y="140223"/>
-            <a:ext cx="8520602" cy="572704"/>
+            <a:ext cx="8520602" cy="572705"/>
           </a:xfrm>
           <a:prstGeom prst="rect">
             <a:avLst/>
@@ -10222,7 +10163,7 @@
         <p:txBody>
           <a:bodyPr anchor="t"/>
           <a:lstStyle>
-            <a:lvl1pPr algn="l" defTabSz="365759">
+            <a:lvl1pPr algn="l" defTabSz="365758">
               <a:defRPr b="1" sz="2600"/>
             </a:lvl1pPr>
           </a:lstStyle>
@@ -10262,7 +10203,7 @@
       </p:grpSpPr>
       <p:sp>
         <p:nvSpPr>
-          <p:cNvPr id="159" name="Shape 115"/>
+          <p:cNvPr id="158" name="Shape 115"/>
           <p:cNvSpPr txBox="1"/>
           <p:nvPr>
             <p:ph type="title" idx="4294967295"/>
@@ -10271,7 +10212,7 @@
         <p:spPr>
           <a:xfrm>
             <a:off x="311699" y="140223"/>
-            <a:ext cx="8520602" cy="572704"/>
+            <a:ext cx="8520602" cy="572705"/>
           </a:xfrm>
           <a:prstGeom prst="rect">
             <a:avLst/>
@@ -10294,7 +10235,7 @@
       </p:sp>
       <p:pic>
         <p:nvPicPr>
-          <p:cNvPr id="160" name="Shape 116" descr="Shape 116"/>
+          <p:cNvPr id="159" name="Shape 116" descr="Shape 116"/>
           <p:cNvPicPr>
             <a:picLocks noChangeAspect="1"/>
           </p:cNvPicPr>
@@ -10311,7 +10252,7 @@
         <p:spPr>
           <a:xfrm>
             <a:off x="824049" y="712924"/>
-            <a:ext cx="7005103" cy="4125779"/>
+            <a:ext cx="7005103" cy="4125780"/>
           </a:xfrm>
           <a:prstGeom prst="rect">
             <a:avLst/>
